--- a/documents/FingerTrees.pptx
+++ b/documents/FingerTrees.pptx
@@ -826,6 +826,20 @@
               <a:rPr lang="de-DE" dirty="0"/>
               <a:t>Einleitung</a:t>
             </a:r>
+          </a:p>
+          <a:p>
+            <a:pPr marL="171450" lvl="0" indent="-171450" algn="l" rtl="0">
+              <a:spcBef>
+                <a:spcPts val="0"/>
+              </a:spcBef>
+              <a:spcAft>
+                <a:spcPts val="0"/>
+              </a:spcAft>
+            </a:pPr>
+            <a:r>
+              <a:rPr lang="de-DE" dirty="0"/>
+              <a:t>Welche Bibliotheken greifen darauf zu?</a:t>
+            </a:r>
             <a:endParaRPr dirty="0"/>
           </a:p>
         </p:txBody>
@@ -982,6 +996,28 @@
             <a:pPr lvl="2"/>
             <a:r>
               <a:rPr lang="de-DE" dirty="0"/>
+              <a:t>[Nodes] bedeutet, dass wir nicht mehr direkt den Wert speichern sondern Nodes, diese Speichern dann den Wert </a:t>
+            </a:r>
+          </a:p>
+          <a:p>
+            <a:pPr lvl="3"/>
+            <a:r>
+              <a:rPr lang="de-DE" dirty="0"/>
+              <a:t>Single -&gt; </a:t>
+            </a:r>
+            <a:r>
+              <a:rPr lang="de-DE" dirty="0" err="1"/>
+              <a:t>Node</a:t>
+            </a:r>
+            <a:r>
+              <a:rPr lang="de-DE" dirty="0"/>
+              <a:t> -&gt; Werte</a:t>
+            </a:r>
+          </a:p>
+          <a:p>
+            <a:pPr lvl="2"/>
+            <a:r>
+              <a:rPr lang="de-DE" dirty="0"/>
               <a:t>Empty, Single Deep</a:t>
             </a:r>
           </a:p>
@@ -1177,6 +1213,21 @@
             <a:endParaRPr lang="de-DE" dirty="0"/>
           </a:p>
           <a:p>
+            <a:pPr lvl="1"/>
+            <a:r>
+              <a:rPr lang="de-DE" dirty="0"/>
+              <a:t>Hier sichtbar: Single aus </a:t>
+            </a:r>
+            <a:r>
+              <a:rPr lang="de-DE" dirty="0" err="1"/>
+              <a:t>Node</a:t>
+            </a:r>
+            <a:r>
+              <a:rPr lang="de-DE" dirty="0"/>
+              <a:t> aus Werten</a:t>
+            </a:r>
+          </a:p>
+          <a:p>
             <a:r>
               <a:rPr lang="de-DE" dirty="0"/>
               <a:t>Auf </a:t>
@@ -1285,6 +1336,96 @@
         <p:txBody>
           <a:bodyPr/>
           <a:lstStyle/>
+          <a:p>
+            <a:pPr marL="457200" marR="0" lvl="0" indent="-298450" algn="l" defTabSz="914400" rtl="0" eaLnBrk="1" fontAlgn="auto" latinLnBrk="0" hangingPunct="1">
+              <a:lnSpc>
+                <a:spcPct val="100000"/>
+              </a:lnSpc>
+              <a:spcBef>
+                <a:spcPts val="0"/>
+              </a:spcBef>
+              <a:spcAft>
+                <a:spcPts val="0"/>
+              </a:spcAft>
+              <a:buClr>
+                <a:srgbClr val="000000"/>
+              </a:buClr>
+              <a:buSzPts val="1100"/>
+              <a:buFont typeface="Arial"/>
+              <a:buChar char="●"/>
+              <a:tabLst/>
+              <a:defRPr/>
+            </a:pPr>
+            <a:r>
+              <a:rPr lang="de-DE" dirty="0" err="1">
+                <a:latin typeface="+mj-lt"/>
+              </a:rPr>
+              <a:t>Nesting</a:t>
+            </a:r>
+            <a:r>
+              <a:rPr lang="de-DE" dirty="0">
+                <a:latin typeface="+mj-lt"/>
+              </a:rPr>
+              <a:t>-Level erhöht sich</a:t>
+            </a:r>
+          </a:p>
+          <a:p>
+            <a:pPr marL="914400" marR="0" lvl="1" indent="-298450" algn="l" defTabSz="914400" rtl="0" eaLnBrk="1" fontAlgn="auto" latinLnBrk="0" hangingPunct="1">
+              <a:lnSpc>
+                <a:spcPct val="100000"/>
+              </a:lnSpc>
+              <a:spcBef>
+                <a:spcPts val="0"/>
+              </a:spcBef>
+              <a:spcAft>
+                <a:spcPts val="0"/>
+              </a:spcAft>
+              <a:buClr>
+                <a:srgbClr val="000000"/>
+              </a:buClr>
+              <a:buSzPts val="1100"/>
+              <a:buFont typeface="Arial"/>
+              <a:buChar char="●"/>
+              <a:tabLst/>
+              <a:defRPr/>
+            </a:pPr>
+            <a:r>
+              <a:rPr lang="de-DE" dirty="0">
+                <a:latin typeface="+mj-lt"/>
+              </a:rPr>
+              <a:t>Deep aus Deep das eine Komponente Speichert </a:t>
+            </a:r>
+            <a:r>
+              <a:rPr lang="de-DE">
+                <a:latin typeface="+mj-lt"/>
+              </a:rPr>
+              <a:t>mit Nodes</a:t>
+            </a:r>
+          </a:p>
+          <a:p>
+            <a:pPr marL="615950" marR="0" lvl="1" indent="0" algn="l" defTabSz="914400" rtl="0" eaLnBrk="1" fontAlgn="auto" latinLnBrk="0" hangingPunct="1">
+              <a:lnSpc>
+                <a:spcPct val="100000"/>
+              </a:lnSpc>
+              <a:spcBef>
+                <a:spcPts val="0"/>
+              </a:spcBef>
+              <a:spcAft>
+                <a:spcPts val="0"/>
+              </a:spcAft>
+              <a:buClr>
+                <a:srgbClr val="000000"/>
+              </a:buClr>
+              <a:buSzPts val="1100"/>
+              <a:buFont typeface="Arial"/>
+              <a:buNone/>
+              <a:tabLst/>
+              <a:defRPr/>
+            </a:pPr>
+            <a:endParaRPr lang="de-DE">
+              <a:latin typeface="+mj-lt"/>
+            </a:endParaRPr>
+          </a:p>
           <a:p>
             <a:pPr marL="457200" marR="0" lvl="0" indent="-298450" algn="l" defTabSz="914400" rtl="0" eaLnBrk="1" fontAlgn="auto" latinLnBrk="0" hangingPunct="1">
               <a:lnSpc>

--- a/documents/FingerTrees.pptx
+++ b/documents/FingerTrees.pptx
@@ -5,41 +5,42 @@
     <p:sldMasterId id="2147483659" r:id="rId1"/>
   </p:sldMasterIdLst>
   <p:notesMasterIdLst>
-    <p:notesMasterId r:id="rId19"/>
+    <p:notesMasterId r:id="rId20"/>
   </p:notesMasterIdLst>
   <p:sldIdLst>
     <p:sldId id="256" r:id="rId2"/>
     <p:sldId id="282" r:id="rId3"/>
-    <p:sldId id="279" r:id="rId4"/>
-    <p:sldId id="283" r:id="rId5"/>
-    <p:sldId id="284" r:id="rId6"/>
-    <p:sldId id="280" r:id="rId7"/>
-    <p:sldId id="281" r:id="rId8"/>
-    <p:sldId id="266" r:id="rId9"/>
-    <p:sldId id="267" r:id="rId10"/>
-    <p:sldId id="270" r:id="rId11"/>
-    <p:sldId id="269" r:id="rId12"/>
-    <p:sldId id="271" r:id="rId13"/>
-    <p:sldId id="272" r:id="rId14"/>
-    <p:sldId id="273" r:id="rId15"/>
-    <p:sldId id="285" r:id="rId16"/>
-    <p:sldId id="265" r:id="rId17"/>
-    <p:sldId id="277" r:id="rId18"/>
+    <p:sldId id="286" r:id="rId4"/>
+    <p:sldId id="279" r:id="rId5"/>
+    <p:sldId id="283" r:id="rId6"/>
+    <p:sldId id="284" r:id="rId7"/>
+    <p:sldId id="280" r:id="rId8"/>
+    <p:sldId id="281" r:id="rId9"/>
+    <p:sldId id="266" r:id="rId10"/>
+    <p:sldId id="267" r:id="rId11"/>
+    <p:sldId id="270" r:id="rId12"/>
+    <p:sldId id="269" r:id="rId13"/>
+    <p:sldId id="271" r:id="rId14"/>
+    <p:sldId id="272" r:id="rId15"/>
+    <p:sldId id="273" r:id="rId16"/>
+    <p:sldId id="285" r:id="rId17"/>
+    <p:sldId id="265" r:id="rId18"/>
+    <p:sldId id="277" r:id="rId19"/>
   </p:sldIdLst>
   <p:sldSz cx="9144000" cy="5143500" type="screen16x9"/>
   <p:notesSz cx="6858000" cy="9144000"/>
   <p:embeddedFontLst>
     <p:embeddedFont>
       <p:font typeface="Roboto" panose="02000000000000000000" pitchFamily="2" charset="0"/>
-      <p:regular r:id="rId20"/>
-      <p:bold r:id="rId21"/>
-      <p:italic r:id="rId22"/>
-      <p:boldItalic r:id="rId23"/>
+      <p:regular r:id="rId21"/>
+      <p:bold r:id="rId22"/>
+      <p:italic r:id="rId23"/>
+      <p:boldItalic r:id="rId24"/>
     </p:embeddedFont>
     <p:embeddedFont>
       <p:font typeface="Roboto Slab" pitchFamily="2" charset="0"/>
-      <p:regular r:id="rId24"/>
-      <p:bold r:id="rId25"/>
+      <p:regular r:id="rId25"/>
+      <p:bold r:id="rId26"/>
     </p:embeddedFont>
   </p:embeddedFontLst>
   <p:defaultTextStyle>
@@ -823,9 +824,94 @@
               </a:spcAft>
             </a:pPr>
             <a:r>
-              <a:rPr lang="de-DE" dirty="0"/>
-              <a:t>Einleitung</a:t>
-            </a:r>
+              <a:rPr lang="de-DE" dirty="0" err="1"/>
+              <a:t>FingerTree</a:t>
+            </a:r>
+            <a:r>
+              <a:rPr lang="de-DE" dirty="0"/>
+              <a:t> in vielen Sprachen</a:t>
+            </a:r>
+          </a:p>
+          <a:p>
+            <a:pPr marL="628650" lvl="1" indent="-171450" algn="l" rtl="0">
+              <a:spcBef>
+                <a:spcPts val="0"/>
+              </a:spcBef>
+              <a:spcAft>
+                <a:spcPts val="0"/>
+              </a:spcAft>
+            </a:pPr>
+            <a:r>
+              <a:rPr lang="de-DE" dirty="0"/>
+              <a:t>Haskell allen voran, z.B. Data Sequenz, </a:t>
+            </a:r>
+            <a:r>
+              <a:rPr lang="de-DE" dirty="0" err="1"/>
+              <a:t>priority</a:t>
+            </a:r>
+            <a:r>
+              <a:rPr lang="de-DE" dirty="0"/>
+              <a:t> </a:t>
+            </a:r>
+            <a:r>
+              <a:rPr lang="de-DE" dirty="0" err="1"/>
+              <a:t>search</a:t>
+            </a:r>
+            <a:r>
+              <a:rPr lang="de-DE" dirty="0"/>
+              <a:t> </a:t>
+            </a:r>
+            <a:r>
+              <a:rPr lang="de-DE" dirty="0" err="1"/>
+              <a:t>queues</a:t>
+            </a:r>
+            <a:endParaRPr lang="de-DE" dirty="0"/>
+          </a:p>
+          <a:p>
+            <a:pPr marL="628650" lvl="1" indent="-171450" algn="l" rtl="0">
+              <a:spcBef>
+                <a:spcPts val="0"/>
+              </a:spcBef>
+              <a:spcAft>
+                <a:spcPts val="0"/>
+              </a:spcAft>
+            </a:pPr>
+            <a:r>
+              <a:rPr lang="de-DE" dirty="0"/>
+              <a:t>Aber auch C++, Rust, Python, </a:t>
+            </a:r>
+            <a:r>
+              <a:rPr lang="de-DE" dirty="0" err="1"/>
+              <a:t>Clojure</a:t>
+            </a:r>
+            <a:endParaRPr lang="de-DE" dirty="0"/>
+          </a:p>
+          <a:p>
+            <a:pPr marL="628650" lvl="1" indent="-171450" algn="l" rtl="0">
+              <a:spcBef>
+                <a:spcPts val="0"/>
+              </a:spcBef>
+              <a:spcAft>
+                <a:spcPts val="0"/>
+              </a:spcAft>
+            </a:pPr>
+            <a:r>
+              <a:rPr lang="de-DE" dirty="0"/>
+              <a:t>Java: z.B. </a:t>
+            </a:r>
+            <a:r>
+              <a:rPr lang="de-DE" dirty="0" err="1"/>
+              <a:t>RichTextFX</a:t>
+            </a:r>
+            <a:r>
+              <a:rPr lang="de-DE" dirty="0"/>
+              <a:t> für </a:t>
+            </a:r>
+            <a:r>
+              <a:rPr lang="de-DE" dirty="0" err="1"/>
+              <a:t>ReadOnlyStyledDocuments</a:t>
+            </a:r>
+            <a:endParaRPr lang="de-DE" dirty="0"/>
           </a:p>
           <a:p>
             <a:pPr marL="171450" lvl="0" indent="-171450" algn="l" rtl="0">
@@ -838,7 +924,15 @@
             </a:pPr>
             <a:r>
               <a:rPr lang="de-DE" dirty="0"/>
-              <a:t>Welche Bibliotheken greifen darauf zu?</a:t>
+              <a:t>Jeder kann was unter </a:t>
+            </a:r>
+            <a:r>
+              <a:rPr lang="de-DE" dirty="0" err="1"/>
+              <a:t>effizienz</a:t>
+            </a:r>
+            <a:r>
+              <a:rPr lang="de-DE" dirty="0"/>
+              <a:t> vorstellen, was bedeutet funktional?</a:t>
             </a:r>
             <a:endParaRPr dirty="0"/>
           </a:p>
@@ -903,13 +997,19 @@
           <a:p>
             <a:r>
               <a:rPr lang="de-DE" dirty="0"/>
-              <a:t>Single = 1 Element</a:t>
-            </a:r>
-          </a:p>
-          <a:p>
-            <a:r>
-              <a:rPr lang="de-DE" dirty="0"/>
-              <a:t>Hinzufügen -&gt; Deep</a:t>
+              <a:t>Empty  = leer, speichert nichts</a:t>
+            </a:r>
+          </a:p>
+          <a:p>
+            <a:r>
+              <a:rPr lang="de-DE" dirty="0"/>
+              <a:t>Bietet alle Funktionen, sehr trivial da nichts vorhanden womit was getan werden kann</a:t>
+            </a:r>
+          </a:p>
+          <a:p>
+            <a:r>
+              <a:rPr lang="de-DE" dirty="0"/>
+              <a:t>Hinzufügen -&gt; Single</a:t>
             </a:r>
           </a:p>
         </p:txBody>
@@ -917,7 +1017,7 @@
     </p:spTree>
     <p:extLst>
       <p:ext uri="{BB962C8B-B14F-4D97-AF65-F5344CB8AC3E}">
-        <p14:creationId xmlns:p14="http://schemas.microsoft.com/office/powerpoint/2010/main" val="897882975"/>
+        <p14:creationId xmlns:p14="http://schemas.microsoft.com/office/powerpoint/2010/main" val="4184012979"/>
       </p:ext>
     </p:extLst>
   </p:cSld>
@@ -978,82 +1078,27 @@
           <a:p>
             <a:r>
               <a:rPr lang="de-DE" dirty="0"/>
-              <a:t>Deep</a:t>
-            </a:r>
-          </a:p>
-          <a:p>
-            <a:pPr lvl="1"/>
-            <a:r>
-              <a:rPr lang="de-DE" dirty="0" err="1"/>
-              <a:t>TreeComponent</a:t>
-            </a:r>
-            <a:r>
-              <a:rPr lang="de-DE" dirty="0"/>
-              <a:t> aus Nodes</a:t>
-            </a:r>
-          </a:p>
-          <a:p>
-            <a:pPr lvl="2"/>
-            <a:r>
-              <a:rPr lang="de-DE" dirty="0"/>
-              <a:t>[Nodes] bedeutet, dass wir nicht mehr direkt den Wert speichern sondern Nodes, diese Speichern dann den Wert </a:t>
-            </a:r>
-          </a:p>
-          <a:p>
-            <a:pPr lvl="3"/>
-            <a:r>
-              <a:rPr lang="de-DE" dirty="0"/>
-              <a:t>Single -&gt; </a:t>
-            </a:r>
-            <a:r>
-              <a:rPr lang="de-DE" dirty="0" err="1"/>
-              <a:t>Node</a:t>
-            </a:r>
-            <a:r>
-              <a:rPr lang="de-DE" dirty="0"/>
-              <a:t> -&gt; Werte</a:t>
-            </a:r>
-          </a:p>
-          <a:p>
-            <a:pPr lvl="2"/>
-            <a:r>
-              <a:rPr lang="de-DE" dirty="0"/>
-              <a:t>Empty, Single Deep</a:t>
-            </a:r>
-          </a:p>
-          <a:p>
-            <a:pPr lvl="2"/>
-            <a:r>
-              <a:rPr lang="de-DE" dirty="0"/>
-              <a:t>Dieser Fall Empty, da nur 2 Werte</a:t>
-            </a:r>
-          </a:p>
-          <a:p>
-            <a:pPr lvl="1"/>
-            <a:r>
-              <a:rPr lang="de-DE" dirty="0"/>
-              <a:t>Suffix/</a:t>
-            </a:r>
-            <a:r>
-              <a:rPr lang="de-DE" dirty="0" err="1"/>
-              <a:t>Prefix</a:t>
-            </a:r>
-            <a:r>
-              <a:rPr lang="de-DE" dirty="0"/>
-              <a:t> -&gt; Digit </a:t>
-            </a:r>
-            <a:r>
-              <a:rPr lang="de-DE" dirty="0" err="1"/>
-              <a:t>überleitung</a:t>
-            </a:r>
-            <a:endParaRPr lang="de-DE" dirty="0"/>
+              <a:t>Single = speichert 1 Element</a:t>
+            </a:r>
+          </a:p>
+          <a:p>
+            <a:r>
+              <a:rPr lang="de-DE" dirty="0"/>
+              <a:t>Auch keine komplexeren Implementierungen</a:t>
+            </a:r>
+          </a:p>
+          <a:p>
+            <a:r>
+              <a:rPr lang="de-DE" dirty="0"/>
+              <a:t>Hinzufügen -&gt; Deep</a:t>
+            </a:r>
           </a:p>
         </p:txBody>
       </p:sp>
     </p:spTree>
     <p:extLst>
       <p:ext uri="{BB962C8B-B14F-4D97-AF65-F5344CB8AC3E}">
-        <p14:creationId xmlns:p14="http://schemas.microsoft.com/office/powerpoint/2010/main" val="3457845358"/>
+        <p14:creationId xmlns:p14="http://schemas.microsoft.com/office/powerpoint/2010/main" val="897882975"/>
       </p:ext>
     </p:extLst>
   </p:cSld>
@@ -1114,20 +1159,65 @@
           <a:p>
             <a:r>
               <a:rPr lang="de-DE" dirty="0"/>
-              <a:t>Digit </a:t>
+              <a:t>Herz des </a:t>
+            </a:r>
+            <a:r>
+              <a:rPr lang="de-DE" dirty="0" err="1"/>
+              <a:t>FingerTree</a:t>
+            </a:r>
+            <a:r>
+              <a:rPr lang="de-DE" dirty="0"/>
+              <a:t> -&gt; implementiert sehr viel </a:t>
+            </a:r>
+            <a:r>
+              <a:rPr lang="de-DE" dirty="0" err="1"/>
+              <a:t>logik</a:t>
+            </a:r>
+            <a:endParaRPr lang="de-DE" dirty="0"/>
+          </a:p>
+          <a:p>
+            <a:r>
+              <a:rPr lang="de-DE" dirty="0"/>
+              <a:t>Deep</a:t>
             </a:r>
           </a:p>
           <a:p>
             <a:pPr lvl="1"/>
             <a:r>
               <a:rPr lang="de-DE" dirty="0"/>
-              <a:t>1 – 4 Einträge, nicht nur Values</a:t>
-            </a:r>
-          </a:p>
-          <a:p>
-            <a:r>
-              <a:rPr lang="de-DE" dirty="0"/>
-              <a:t>Bei 4 Elementen -&gt; Balance &amp; </a:t>
+              <a:t>Präfix/Suffix</a:t>
+            </a:r>
+          </a:p>
+          <a:p>
+            <a:pPr lvl="2"/>
+            <a:r>
+              <a:rPr lang="de-DE" dirty="0"/>
+              <a:t>Digit</a:t>
+            </a:r>
+          </a:p>
+          <a:p>
+            <a:pPr lvl="1"/>
+            <a:r>
+              <a:rPr lang="de-DE" dirty="0" err="1"/>
+              <a:t>TreeComponent</a:t>
+            </a:r>
+            <a:r>
+              <a:rPr lang="de-DE" dirty="0"/>
+              <a:t> aus Nodes</a:t>
+            </a:r>
+          </a:p>
+          <a:p>
+            <a:pPr lvl="2"/>
+            <a:r>
+              <a:rPr lang="de-DE" dirty="0"/>
+              <a:t>[Nodes] bedeutet, dass wir nicht mehr direkt den Wert speichern sondern Nodes, diese Speichern dann den Wert </a:t>
+            </a:r>
+          </a:p>
+          <a:p>
+            <a:pPr lvl="3"/>
+            <a:r>
+              <a:rPr lang="de-DE" dirty="0"/>
+              <a:t>Single -&gt; </a:t>
             </a:r>
             <a:r>
               <a:rPr lang="de-DE" dirty="0" err="1"/>
@@ -1135,7 +1225,28 @@
             </a:r>
             <a:r>
               <a:rPr lang="de-DE" dirty="0"/>
-              <a:t> erklären</a:t>
+              <a:t> -&gt; Werte</a:t>
+            </a:r>
+          </a:p>
+          <a:p>
+            <a:pPr lvl="2"/>
+            <a:r>
+              <a:rPr lang="de-DE" dirty="0"/>
+              <a:t>Empty, Single Deep</a:t>
+            </a:r>
+          </a:p>
+          <a:p>
+            <a:pPr lvl="3"/>
+            <a:r>
+              <a:rPr lang="de-DE" dirty="0"/>
+              <a:t>Dieser Fall Empty, da nur 2 Wert</a:t>
+            </a:r>
+          </a:p>
+          <a:p>
+            <a:pPr lvl="0"/>
+            <a:r>
+              <a:rPr lang="de-DE" dirty="0"/>
+              <a:t>Zuerst Digit näher Digit</a:t>
             </a:r>
           </a:p>
         </p:txBody>
@@ -1143,7 +1254,7 @@
     </p:spTree>
     <p:extLst>
       <p:ext uri="{BB962C8B-B14F-4D97-AF65-F5344CB8AC3E}">
-        <p14:creationId xmlns:p14="http://schemas.microsoft.com/office/powerpoint/2010/main" val="468906364"/>
+        <p14:creationId xmlns:p14="http://schemas.microsoft.com/office/powerpoint/2010/main" val="3457845358"/>
       </p:ext>
     </p:extLst>
   </p:cSld>
@@ -1204,19 +1315,28 @@
           <a:p>
             <a:r>
               <a:rPr lang="de-DE" dirty="0"/>
-              <a:t>Empty -&gt; Single, Node3 aus </a:t>
+              <a:t>Digit </a:t>
+            </a:r>
+          </a:p>
+          <a:p>
+            <a:pPr lvl="1"/>
+            <a:r>
+              <a:rPr lang="de-DE" dirty="0"/>
+              <a:t>1 – 4 Einträge, nicht nur Values</a:t>
+            </a:r>
+          </a:p>
+          <a:p>
+            <a:r>
+              <a:rPr lang="de-DE" dirty="0"/>
+              <a:t>Bei 4 Elementen -&gt; </a:t>
             </a:r>
             <a:r>
               <a:rPr lang="de-DE" dirty="0" err="1"/>
-              <a:t>suffix</a:t>
-            </a:r>
-            <a:endParaRPr lang="de-DE" dirty="0"/>
-          </a:p>
-          <a:p>
-            <a:pPr lvl="1"/>
-            <a:r>
-              <a:rPr lang="de-DE" dirty="0"/>
-              <a:t>Hier sichtbar: Single aus </a:t>
+              <a:t>Rebalance</a:t>
+            </a:r>
+            <a:r>
+              <a:rPr lang="de-DE" dirty="0"/>
+              <a:t> &amp; </a:t>
             </a:r>
             <a:r>
               <a:rPr lang="de-DE" dirty="0" err="1"/>
@@ -1224,53 +1344,7 @@
             </a:r>
             <a:r>
               <a:rPr lang="de-DE" dirty="0"/>
-              <a:t> aus Werten</a:t>
-            </a:r>
-          </a:p>
-          <a:p>
-            <a:r>
-              <a:rPr lang="de-DE" dirty="0"/>
-              <a:t>Auf </a:t>
-            </a:r>
-            <a:r>
-              <a:rPr lang="de-DE" dirty="0" err="1"/>
-              <a:t>Node</a:t>
-            </a:r>
-            <a:r>
-              <a:rPr lang="de-DE" dirty="0"/>
-              <a:t> eingehen</a:t>
-            </a:r>
-          </a:p>
-          <a:p>
-            <a:pPr lvl="1"/>
-            <a:r>
-              <a:rPr lang="de-DE" dirty="0" err="1"/>
-              <a:t>Node</a:t>
-            </a:r>
-            <a:r>
-              <a:rPr lang="de-DE" dirty="0"/>
-              <a:t> 2 und 3, </a:t>
-            </a:r>
-            <a:r>
-              <a:rPr lang="de-DE" dirty="0" err="1"/>
-              <a:t>append</a:t>
-            </a:r>
-            <a:r>
-              <a:rPr lang="de-DE" dirty="0"/>
-              <a:t> nur 3 -&gt; 2 später</a:t>
-            </a:r>
-          </a:p>
-          <a:p>
-            <a:pPr lvl="1"/>
-            <a:r>
-              <a:rPr lang="de-DE" dirty="0"/>
-              <a:t>Generell keine Funktionalität, nur Speicher</a:t>
-            </a:r>
-          </a:p>
-          <a:p>
-            <a:r>
-              <a:rPr lang="de-DE" dirty="0"/>
-              <a:t>Wenn wieder 4 in Digit &gt; nächste Folie</a:t>
+              <a:t> erklären</a:t>
             </a:r>
           </a:p>
         </p:txBody>
@@ -1278,7 +1352,7 @@
     </p:spTree>
     <p:extLst>
       <p:ext uri="{BB962C8B-B14F-4D97-AF65-F5344CB8AC3E}">
-        <p14:creationId xmlns:p14="http://schemas.microsoft.com/office/powerpoint/2010/main" val="3767445319"/>
+        <p14:creationId xmlns:p14="http://schemas.microsoft.com/office/powerpoint/2010/main" val="468906364"/>
       </p:ext>
     </p:extLst>
   </p:cSld>
@@ -1337,318 +1411,83 @@
           <a:bodyPr/>
           <a:lstStyle/>
           <a:p>
-            <a:pPr marL="457200" marR="0" lvl="0" indent="-298450" algn="l" defTabSz="914400" rtl="0" eaLnBrk="1" fontAlgn="auto" latinLnBrk="0" hangingPunct="1">
-              <a:lnSpc>
-                <a:spcPct val="100000"/>
-              </a:lnSpc>
-              <a:spcBef>
-                <a:spcPts val="0"/>
-              </a:spcBef>
-              <a:spcAft>
-                <a:spcPts val="0"/>
-              </a:spcAft>
-              <a:buClr>
-                <a:srgbClr val="000000"/>
-              </a:buClr>
-              <a:buSzPts val="1100"/>
-              <a:buFont typeface="Arial"/>
-              <a:buChar char="●"/>
-              <a:tabLst/>
-              <a:defRPr/>
-            </a:pPr>
-            <a:r>
-              <a:rPr lang="de-DE" dirty="0" err="1">
-                <a:latin typeface="+mj-lt"/>
-              </a:rPr>
-              <a:t>Nesting</a:t>
-            </a:r>
-            <a:r>
-              <a:rPr lang="de-DE" dirty="0">
-                <a:latin typeface="+mj-lt"/>
-              </a:rPr>
-              <a:t>-Level erhöht sich</a:t>
-            </a:r>
-          </a:p>
-          <a:p>
-            <a:pPr marL="914400" marR="0" lvl="1" indent="-298450" algn="l" defTabSz="914400" rtl="0" eaLnBrk="1" fontAlgn="auto" latinLnBrk="0" hangingPunct="1">
-              <a:lnSpc>
-                <a:spcPct val="100000"/>
-              </a:lnSpc>
-              <a:spcBef>
-                <a:spcPts val="0"/>
-              </a:spcBef>
-              <a:spcAft>
-                <a:spcPts val="0"/>
-              </a:spcAft>
-              <a:buClr>
-                <a:srgbClr val="000000"/>
-              </a:buClr>
-              <a:buSzPts val="1100"/>
-              <a:buFont typeface="Arial"/>
-              <a:buChar char="●"/>
-              <a:tabLst/>
-              <a:defRPr/>
-            </a:pPr>
-            <a:r>
-              <a:rPr lang="de-DE" dirty="0">
-                <a:latin typeface="+mj-lt"/>
-              </a:rPr>
-              <a:t>Deep aus Deep das eine Komponente Speichert </a:t>
-            </a:r>
-            <a:r>
-              <a:rPr lang="de-DE">
-                <a:latin typeface="+mj-lt"/>
-              </a:rPr>
-              <a:t>mit Nodes</a:t>
-            </a:r>
-          </a:p>
-          <a:p>
-            <a:pPr marL="615950" marR="0" lvl="1" indent="0" algn="l" defTabSz="914400" rtl="0" eaLnBrk="1" fontAlgn="auto" latinLnBrk="0" hangingPunct="1">
-              <a:lnSpc>
-                <a:spcPct val="100000"/>
-              </a:lnSpc>
-              <a:spcBef>
-                <a:spcPts val="0"/>
-              </a:spcBef>
-              <a:spcAft>
-                <a:spcPts val="0"/>
-              </a:spcAft>
-              <a:buClr>
-                <a:srgbClr val="000000"/>
-              </a:buClr>
-              <a:buSzPts val="1100"/>
-              <a:buFont typeface="Arial"/>
-              <a:buNone/>
-              <a:tabLst/>
-              <a:defRPr/>
-            </a:pPr>
-            <a:endParaRPr lang="de-DE">
-              <a:latin typeface="+mj-lt"/>
-            </a:endParaRPr>
-          </a:p>
-          <a:p>
-            <a:pPr marL="457200" marR="0" lvl="0" indent="-298450" algn="l" defTabSz="914400" rtl="0" eaLnBrk="1" fontAlgn="auto" latinLnBrk="0" hangingPunct="1">
-              <a:lnSpc>
-                <a:spcPct val="100000"/>
-              </a:lnSpc>
-              <a:spcBef>
-                <a:spcPts val="0"/>
-              </a:spcBef>
-              <a:spcAft>
-                <a:spcPts val="0"/>
-              </a:spcAft>
-              <a:buClr>
-                <a:srgbClr val="000000"/>
-              </a:buClr>
-              <a:buSzPts val="1100"/>
-              <a:buFont typeface="Arial"/>
-              <a:buChar char="●"/>
-              <a:tabLst/>
-              <a:defRPr/>
-            </a:pPr>
-            <a:r>
-              <a:rPr lang="de-DE" dirty="0">
-                <a:latin typeface="+mj-lt"/>
-              </a:rPr>
-              <a:t>Head, Last Zeitkomplexität</a:t>
-            </a:r>
-          </a:p>
-          <a:p>
-            <a:pPr marL="914400" marR="0" lvl="1" indent="-298450" algn="l" defTabSz="914400" rtl="0" eaLnBrk="1" fontAlgn="auto" latinLnBrk="0" hangingPunct="1">
-              <a:lnSpc>
-                <a:spcPct val="100000"/>
-              </a:lnSpc>
-              <a:spcBef>
-                <a:spcPts val="0"/>
-              </a:spcBef>
-              <a:spcAft>
-                <a:spcPts val="0"/>
-              </a:spcAft>
-              <a:buClr>
-                <a:srgbClr val="000000"/>
-              </a:buClr>
-              <a:buSzPts val="1100"/>
-              <a:buFont typeface="Arial"/>
-              <a:buChar char="●"/>
-              <a:tabLst/>
-              <a:defRPr/>
-            </a:pPr>
-            <a:r>
-              <a:rPr lang="de-DE" dirty="0">
-                <a:latin typeface="+mj-lt"/>
-              </a:rPr>
-              <a:t>Immer auf erstem Suffix/</a:t>
-            </a:r>
-            <a:r>
-              <a:rPr lang="de-DE" dirty="0" err="1">
-                <a:latin typeface="+mj-lt"/>
-              </a:rPr>
-              <a:t>Prefix</a:t>
-            </a:r>
-            <a:r>
-              <a:rPr lang="de-DE" dirty="0">
-                <a:latin typeface="+mj-lt"/>
-              </a:rPr>
-              <a:t> zugreifbar</a:t>
-            </a:r>
-          </a:p>
-          <a:p>
-            <a:endParaRPr lang="de-DE" dirty="0">
-              <a:latin typeface="+mj-lt"/>
-            </a:endParaRPr>
-          </a:p>
-          <a:p>
-            <a:r>
-              <a:rPr lang="de-DE" dirty="0">
-                <a:latin typeface="+mj-lt"/>
-              </a:rPr>
-              <a:t>Zeitkomplexität sichtbar, betrachten mit m Operationen</a:t>
-            </a:r>
+            <a:r>
+              <a:rPr lang="de-DE" dirty="0"/>
+              <a:t>Empty -&gt; Single, Node3 aus </a:t>
+            </a:r>
+            <a:r>
+              <a:rPr lang="de-DE" dirty="0" err="1"/>
+              <a:t>suffix</a:t>
+            </a:r>
+            <a:endParaRPr lang="de-DE" dirty="0"/>
           </a:p>
           <a:p>
             <a:pPr lvl="1"/>
             <a:r>
-              <a:rPr lang="de-DE" dirty="0">
-                <a:latin typeface="+mj-lt"/>
-              </a:rPr>
-              <a:t>Empty, Single -&gt; Sichtbar konstant</a:t>
+              <a:rPr lang="de-DE" dirty="0"/>
+              <a:t>Hier sichtbar: Single aus </a:t>
+            </a:r>
+            <a:r>
+              <a:rPr lang="de-DE" dirty="0" err="1"/>
+              <a:t>Node</a:t>
+            </a:r>
+            <a:r>
+              <a:rPr lang="de-DE" dirty="0"/>
+              <a:t> aus Werten</a:t>
+            </a:r>
+          </a:p>
+          <a:p>
+            <a:r>
+              <a:rPr lang="de-DE" dirty="0"/>
+              <a:t>Auf </a:t>
+            </a:r>
+            <a:r>
+              <a:rPr lang="de-DE" dirty="0" err="1"/>
+              <a:t>Node</a:t>
+            </a:r>
+            <a:r>
+              <a:rPr lang="de-DE" dirty="0"/>
+              <a:t> eingehen</a:t>
             </a:r>
           </a:p>
           <a:p>
             <a:pPr lvl="1"/>
             <a:r>
-              <a:rPr lang="de-DE" dirty="0">
-                <a:latin typeface="+mj-lt"/>
-              </a:rPr>
-              <a:t>Deep: (auf Tafel)</a:t>
-            </a:r>
-          </a:p>
-          <a:p>
-            <a:pPr lvl="2"/>
-            <a:r>
-              <a:rPr lang="de-DE" dirty="0">
-                <a:latin typeface="+mj-lt"/>
-              </a:rPr>
-              <a:t> Suffix = 4 nächste Ebene aber nächsten Operationen definitiv Konstant</a:t>
-            </a:r>
-          </a:p>
-          <a:p>
-            <a:pPr marL="1828800" marR="0" lvl="3" indent="-298450" algn="l" defTabSz="914400" rtl="0" eaLnBrk="1" fontAlgn="auto" latinLnBrk="0" hangingPunct="1">
-              <a:lnSpc>
-                <a:spcPct val="100000"/>
-              </a:lnSpc>
-              <a:spcBef>
-                <a:spcPts val="0"/>
-              </a:spcBef>
-              <a:spcAft>
-                <a:spcPts val="0"/>
-              </a:spcAft>
-              <a:buClr>
-                <a:srgbClr val="000000"/>
-              </a:buClr>
-              <a:buSzPts val="1100"/>
-              <a:buFont typeface="Arial"/>
-              <a:buChar char="●"/>
-              <a:tabLst/>
-              <a:defRPr/>
-            </a:pPr>
-            <a:r>
-              <a:rPr lang="de-DE" dirty="0">
-                <a:latin typeface="+mj-lt"/>
-              </a:rPr>
-              <a:t>½ Operationen müssen nicht</a:t>
-            </a:r>
-          </a:p>
-          <a:p>
-            <a:pPr lvl="2"/>
-            <a:r>
-              <a:rPr lang="de-DE" dirty="0">
-                <a:latin typeface="+mj-lt"/>
-              </a:rPr>
-              <a:t>Nächste Ebene 4 mal Node3</a:t>
-            </a:r>
-          </a:p>
-          <a:p>
-            <a:pPr marL="1828800" marR="0" lvl="3" indent="-298450" algn="l" defTabSz="914400" rtl="0" eaLnBrk="1" fontAlgn="auto" latinLnBrk="0" hangingPunct="1">
-              <a:lnSpc>
-                <a:spcPct val="100000"/>
-              </a:lnSpc>
-              <a:spcBef>
-                <a:spcPts val="0"/>
-              </a:spcBef>
-              <a:spcAft>
-                <a:spcPts val="0"/>
-              </a:spcAft>
-              <a:buClr>
-                <a:srgbClr val="000000"/>
-              </a:buClr>
-              <a:buSzPts val="1100"/>
-              <a:buFont typeface="Arial"/>
-              <a:buChar char="●"/>
-              <a:tabLst/>
-              <a:defRPr/>
-            </a:pPr>
-            <a:r>
-              <a:rPr lang="de-DE" dirty="0">
-                <a:latin typeface="+mj-lt"/>
-              </a:rPr>
-              <a:t>¼  Operationen müssen nicht</a:t>
-            </a:r>
-          </a:p>
-          <a:p>
-            <a:pPr marL="1828800" marR="0" lvl="3" indent="-298450" algn="l" defTabSz="914400" rtl="0" eaLnBrk="1" fontAlgn="auto" latinLnBrk="0" hangingPunct="1">
-              <a:lnSpc>
-                <a:spcPct val="100000"/>
-              </a:lnSpc>
-              <a:spcBef>
-                <a:spcPts val="0"/>
-              </a:spcBef>
-              <a:spcAft>
-                <a:spcPts val="0"/>
-              </a:spcAft>
-              <a:buClr>
-                <a:srgbClr val="000000"/>
-              </a:buClr>
-              <a:buSzPts val="1100"/>
-              <a:buFont typeface="Arial"/>
-              <a:buChar char="●"/>
-              <a:tabLst/>
-              <a:defRPr/>
-            </a:pPr>
-            <a:r>
-              <a:rPr lang="de-DE" dirty="0">
-                <a:latin typeface="+mj-lt"/>
-              </a:rPr>
-              <a:t>1/8 …</a:t>
-            </a:r>
-          </a:p>
-          <a:p>
-            <a:pPr lvl="2"/>
-            <a:r>
-              <a:rPr lang="de-DE" dirty="0">
-                <a:latin typeface="+mj-lt"/>
-              </a:rPr>
-              <a:t>Aneinander Kettung bis unendlich 2m -&gt; Konstant</a:t>
-            </a:r>
-          </a:p>
-          <a:p>
-            <a:pPr marL="158750" indent="0">
-              <a:buNone/>
-            </a:pPr>
-            <a:endParaRPr lang="de-DE" dirty="0"/>
-          </a:p>
-          <a:p>
-            <a:pPr marL="1530350" lvl="3" indent="0">
-              <a:buNone/>
-            </a:pPr>
-            <a:endParaRPr lang="de-DE" dirty="0"/>
+              <a:rPr lang="de-DE" dirty="0" err="1"/>
+              <a:t>Node</a:t>
+            </a:r>
+            <a:r>
+              <a:rPr lang="de-DE" dirty="0"/>
+              <a:t> 2 und 3, </a:t>
+            </a:r>
+            <a:r>
+              <a:rPr lang="de-DE" dirty="0" err="1"/>
+              <a:t>append</a:t>
+            </a:r>
+            <a:r>
+              <a:rPr lang="de-DE" dirty="0"/>
+              <a:t> nur 3 -&gt; 2 später</a:t>
+            </a:r>
+          </a:p>
+          <a:p>
+            <a:pPr lvl="1"/>
+            <a:r>
+              <a:rPr lang="de-DE" dirty="0"/>
+              <a:t>Generell keine Funktionalität, nur Speicher</a:t>
+            </a:r>
+          </a:p>
+          <a:p>
+            <a:r>
+              <a:rPr lang="de-DE" dirty="0"/>
+              <a:t>Wenn wieder 4 in Digit &gt; nächste Folie</a:t>
+            </a:r>
           </a:p>
         </p:txBody>
       </p:sp>
     </p:spTree>
     <p:extLst>
       <p:ext uri="{BB962C8B-B14F-4D97-AF65-F5344CB8AC3E}">
-        <p14:creationId xmlns:p14="http://schemas.microsoft.com/office/powerpoint/2010/main" val="2129782962"/>
+        <p14:creationId xmlns:p14="http://schemas.microsoft.com/office/powerpoint/2010/main" val="3767445319"/>
       </p:ext>
     </p:extLst>
   </p:cSld>
@@ -1707,6 +1546,433 @@
           <a:bodyPr/>
           <a:lstStyle/>
           <a:p>
+            <a:pPr marL="457200" marR="0" lvl="0" indent="-298450" algn="l" defTabSz="914400" rtl="0" eaLnBrk="1" fontAlgn="auto" latinLnBrk="0" hangingPunct="1">
+              <a:lnSpc>
+                <a:spcPct val="100000"/>
+              </a:lnSpc>
+              <a:spcBef>
+                <a:spcPts val="0"/>
+              </a:spcBef>
+              <a:spcAft>
+                <a:spcPts val="0"/>
+              </a:spcAft>
+              <a:buClr>
+                <a:srgbClr val="000000"/>
+              </a:buClr>
+              <a:buSzPts val="1100"/>
+              <a:buFont typeface="Arial"/>
+              <a:buChar char="●"/>
+              <a:tabLst/>
+              <a:defRPr/>
+            </a:pPr>
+            <a:r>
+              <a:rPr lang="de-DE" dirty="0" err="1">
+                <a:latin typeface="+mj-lt"/>
+              </a:rPr>
+              <a:t>Nesting</a:t>
+            </a:r>
+            <a:r>
+              <a:rPr lang="de-DE" dirty="0">
+                <a:latin typeface="+mj-lt"/>
+              </a:rPr>
+              <a:t>-Level erhöht sich</a:t>
+            </a:r>
+          </a:p>
+          <a:p>
+            <a:pPr marL="914400" marR="0" lvl="1" indent="-298450" algn="l" defTabSz="914400" rtl="0" eaLnBrk="1" fontAlgn="auto" latinLnBrk="0" hangingPunct="1">
+              <a:lnSpc>
+                <a:spcPct val="100000"/>
+              </a:lnSpc>
+              <a:spcBef>
+                <a:spcPts val="0"/>
+              </a:spcBef>
+              <a:spcAft>
+                <a:spcPts val="0"/>
+              </a:spcAft>
+              <a:buClr>
+                <a:srgbClr val="000000"/>
+              </a:buClr>
+              <a:buSzPts val="1100"/>
+              <a:buFont typeface="Arial"/>
+              <a:buChar char="●"/>
+              <a:tabLst/>
+              <a:defRPr/>
+            </a:pPr>
+            <a:r>
+              <a:rPr lang="de-DE" dirty="0">
+                <a:latin typeface="+mj-lt"/>
+              </a:rPr>
+              <a:t>Deep aus Deep das eine Komponente Speichert mit Nodes</a:t>
+            </a:r>
+          </a:p>
+          <a:p>
+            <a:pPr marL="615950" marR="0" lvl="1" indent="0" algn="l" defTabSz="914400" rtl="0" eaLnBrk="1" fontAlgn="auto" latinLnBrk="0" hangingPunct="1">
+              <a:lnSpc>
+                <a:spcPct val="100000"/>
+              </a:lnSpc>
+              <a:spcBef>
+                <a:spcPts val="0"/>
+              </a:spcBef>
+              <a:spcAft>
+                <a:spcPts val="0"/>
+              </a:spcAft>
+              <a:buClr>
+                <a:srgbClr val="000000"/>
+              </a:buClr>
+              <a:buSzPts val="1100"/>
+              <a:buFont typeface="Arial"/>
+              <a:buNone/>
+              <a:tabLst/>
+              <a:defRPr/>
+            </a:pPr>
+            <a:endParaRPr lang="de-DE" dirty="0">
+              <a:latin typeface="+mj-lt"/>
+            </a:endParaRPr>
+          </a:p>
+          <a:p>
+            <a:pPr marL="457200" marR="0" lvl="0" indent="-298450" algn="l" defTabSz="914400" rtl="0" eaLnBrk="1" fontAlgn="auto" latinLnBrk="0" hangingPunct="1">
+              <a:lnSpc>
+                <a:spcPct val="100000"/>
+              </a:lnSpc>
+              <a:spcBef>
+                <a:spcPts val="0"/>
+              </a:spcBef>
+              <a:spcAft>
+                <a:spcPts val="0"/>
+              </a:spcAft>
+              <a:buClr>
+                <a:srgbClr val="000000"/>
+              </a:buClr>
+              <a:buSzPts val="1100"/>
+              <a:buFont typeface="Arial"/>
+              <a:buChar char="●"/>
+              <a:tabLst/>
+              <a:defRPr/>
+            </a:pPr>
+            <a:r>
+              <a:rPr lang="de-DE" dirty="0">
+                <a:latin typeface="+mj-lt"/>
+              </a:rPr>
+              <a:t>Head, Last Zeitkomplexität</a:t>
+            </a:r>
+          </a:p>
+          <a:p>
+            <a:pPr marL="914400" marR="0" lvl="1" indent="-298450" algn="l" defTabSz="914400" rtl="0" eaLnBrk="1" fontAlgn="auto" latinLnBrk="0" hangingPunct="1">
+              <a:lnSpc>
+                <a:spcPct val="100000"/>
+              </a:lnSpc>
+              <a:spcBef>
+                <a:spcPts val="0"/>
+              </a:spcBef>
+              <a:spcAft>
+                <a:spcPts val="0"/>
+              </a:spcAft>
+              <a:buClr>
+                <a:srgbClr val="000000"/>
+              </a:buClr>
+              <a:buSzPts val="1100"/>
+              <a:buFont typeface="Arial"/>
+              <a:buChar char="●"/>
+              <a:tabLst/>
+              <a:defRPr/>
+            </a:pPr>
+            <a:r>
+              <a:rPr lang="de-DE" dirty="0">
+                <a:latin typeface="+mj-lt"/>
+              </a:rPr>
+              <a:t>Immer auf erstem Suffix/</a:t>
+            </a:r>
+            <a:r>
+              <a:rPr lang="de-DE" dirty="0" err="1">
+                <a:latin typeface="+mj-lt"/>
+              </a:rPr>
+              <a:t>Prefix</a:t>
+            </a:r>
+            <a:r>
+              <a:rPr lang="de-DE" dirty="0">
+                <a:latin typeface="+mj-lt"/>
+              </a:rPr>
+              <a:t> zugreifbar</a:t>
+            </a:r>
+          </a:p>
+          <a:p>
+            <a:endParaRPr lang="de-DE" dirty="0">
+              <a:latin typeface="+mj-lt"/>
+            </a:endParaRPr>
+          </a:p>
+          <a:p>
+            <a:r>
+              <a:rPr lang="de-DE" dirty="0" err="1">
+                <a:latin typeface="+mj-lt"/>
+              </a:rPr>
+              <a:t>Append</a:t>
+            </a:r>
+            <a:r>
+              <a:rPr lang="de-DE" dirty="0">
+                <a:latin typeface="+mj-lt"/>
+              </a:rPr>
+              <a:t> / </a:t>
+            </a:r>
+            <a:r>
+              <a:rPr lang="de-DE" dirty="0" err="1">
+                <a:latin typeface="+mj-lt"/>
+              </a:rPr>
+              <a:t>Prepend</a:t>
+            </a:r>
+            <a:r>
+              <a:rPr lang="de-DE" dirty="0">
+                <a:latin typeface="+mj-lt"/>
+              </a:rPr>
+              <a:t> - betrachten mit m Operationen</a:t>
+            </a:r>
+          </a:p>
+          <a:p>
+            <a:pPr lvl="1"/>
+            <a:r>
+              <a:rPr lang="de-DE" dirty="0">
+                <a:latin typeface="+mj-lt"/>
+              </a:rPr>
+              <a:t>Empty, Single -&gt; Sichtbar konstant</a:t>
+            </a:r>
+          </a:p>
+          <a:p>
+            <a:pPr lvl="1"/>
+            <a:r>
+              <a:rPr lang="de-DE" dirty="0">
+                <a:latin typeface="+mj-lt"/>
+              </a:rPr>
+              <a:t>Deep: (auf Tafel)</a:t>
+            </a:r>
+          </a:p>
+          <a:p>
+            <a:pPr lvl="2"/>
+            <a:r>
+              <a:rPr lang="de-DE" dirty="0">
+                <a:latin typeface="+mj-lt"/>
+              </a:rPr>
+              <a:t> Suffix = 4 nächste Ebene aber nächsten Operationen definitiv Konstant</a:t>
+            </a:r>
+          </a:p>
+          <a:p>
+            <a:pPr marL="1828800" marR="0" lvl="3" indent="-298450" algn="l" defTabSz="914400" rtl="0" eaLnBrk="1" fontAlgn="auto" latinLnBrk="0" hangingPunct="1">
+              <a:lnSpc>
+                <a:spcPct val="100000"/>
+              </a:lnSpc>
+              <a:spcBef>
+                <a:spcPts val="0"/>
+              </a:spcBef>
+              <a:spcAft>
+                <a:spcPts val="0"/>
+              </a:spcAft>
+              <a:buClr>
+                <a:srgbClr val="000000"/>
+              </a:buClr>
+              <a:buSzPts val="1100"/>
+              <a:buFont typeface="Arial"/>
+              <a:buChar char="●"/>
+              <a:tabLst/>
+              <a:defRPr/>
+            </a:pPr>
+            <a:r>
+              <a:rPr lang="de-DE" dirty="0">
+                <a:latin typeface="+mj-lt"/>
+              </a:rPr>
+              <a:t>½ Operationen müssen nicht</a:t>
+            </a:r>
+          </a:p>
+          <a:p>
+            <a:pPr lvl="2"/>
+            <a:r>
+              <a:rPr lang="de-DE" dirty="0">
+                <a:latin typeface="+mj-lt"/>
+              </a:rPr>
+              <a:t>Nächste Ebene 4 mal Node3 = 12 Elemente</a:t>
+            </a:r>
+          </a:p>
+          <a:p>
+            <a:pPr marL="1828800" marR="0" lvl="3" indent="-298450" algn="l" defTabSz="914400" rtl="0" eaLnBrk="1" fontAlgn="auto" latinLnBrk="0" hangingPunct="1">
+              <a:lnSpc>
+                <a:spcPct val="100000"/>
+              </a:lnSpc>
+              <a:spcBef>
+                <a:spcPts val="0"/>
+              </a:spcBef>
+              <a:spcAft>
+                <a:spcPts val="0"/>
+              </a:spcAft>
+              <a:buClr>
+                <a:srgbClr val="000000"/>
+              </a:buClr>
+              <a:buSzPts val="1100"/>
+              <a:buFont typeface="Arial"/>
+              <a:buChar char="●"/>
+              <a:tabLst/>
+              <a:defRPr/>
+            </a:pPr>
+            <a:r>
+              <a:rPr lang="de-DE" dirty="0">
+                <a:latin typeface="+mj-lt"/>
+              </a:rPr>
+              <a:t>¼  Operationen müssen nicht</a:t>
+            </a:r>
+          </a:p>
+          <a:p>
+            <a:pPr marL="1371600" marR="0" lvl="2" indent="-298450" algn="l" defTabSz="914400" rtl="0" eaLnBrk="1" fontAlgn="auto" latinLnBrk="0" hangingPunct="1">
+              <a:lnSpc>
+                <a:spcPct val="100000"/>
+              </a:lnSpc>
+              <a:spcBef>
+                <a:spcPts val="0"/>
+              </a:spcBef>
+              <a:spcAft>
+                <a:spcPts val="0"/>
+              </a:spcAft>
+              <a:buClr>
+                <a:srgbClr val="000000"/>
+              </a:buClr>
+              <a:buSzPts val="1100"/>
+              <a:buFont typeface="Arial"/>
+              <a:buChar char="●"/>
+              <a:tabLst/>
+              <a:defRPr/>
+            </a:pPr>
+            <a:r>
+              <a:rPr lang="de-DE" dirty="0" err="1">
+                <a:latin typeface="+mj-lt"/>
+              </a:rPr>
+              <a:t>Näcshte</a:t>
+            </a:r>
+            <a:r>
+              <a:rPr lang="de-DE" dirty="0">
+                <a:latin typeface="+mj-lt"/>
+              </a:rPr>
+              <a:t> Ebene 4 Mal Digit mit 4 Node3 = 48 Elemente</a:t>
+            </a:r>
+          </a:p>
+          <a:p>
+            <a:pPr marL="1828800" marR="0" lvl="3" indent="-298450" algn="l" defTabSz="914400" rtl="0" eaLnBrk="1" fontAlgn="auto" latinLnBrk="0" hangingPunct="1">
+              <a:lnSpc>
+                <a:spcPct val="100000"/>
+              </a:lnSpc>
+              <a:spcBef>
+                <a:spcPts val="0"/>
+              </a:spcBef>
+              <a:spcAft>
+                <a:spcPts val="0"/>
+              </a:spcAft>
+              <a:buClr>
+                <a:srgbClr val="000000"/>
+              </a:buClr>
+              <a:buSzPts val="1100"/>
+              <a:buFont typeface="Arial"/>
+              <a:buChar char="●"/>
+              <a:tabLst/>
+              <a:defRPr/>
+            </a:pPr>
+            <a:r>
+              <a:rPr lang="de-DE" dirty="0">
+                <a:latin typeface="+mj-lt"/>
+              </a:rPr>
+              <a:t>1/8 Operationen müssen nicht.. And so on</a:t>
+            </a:r>
+          </a:p>
+          <a:p>
+            <a:pPr lvl="2"/>
+            <a:r>
+              <a:rPr lang="de-DE" dirty="0">
+                <a:latin typeface="+mj-lt"/>
+              </a:rPr>
+              <a:t>Aneinander Kettung bis unendlich 2m -&gt; Konstant</a:t>
+            </a:r>
+          </a:p>
+          <a:p>
+            <a:pPr lvl="2"/>
+            <a:r>
+              <a:rPr lang="de-DE" dirty="0">
+                <a:latin typeface="+mj-lt"/>
+              </a:rPr>
+              <a:t>Total time T = m + ½ m + ¼ m + 1/8 m + … =&gt; T = 2m =&gt; O(1)</a:t>
+            </a:r>
+          </a:p>
+          <a:p>
+            <a:pPr marL="158750" indent="0">
+              <a:buNone/>
+            </a:pPr>
+            <a:endParaRPr lang="de-DE" dirty="0"/>
+          </a:p>
+          <a:p>
+            <a:pPr marL="1530350" lvl="3" indent="0">
+              <a:buNone/>
+            </a:pPr>
+            <a:endParaRPr lang="de-DE" dirty="0"/>
+          </a:p>
+        </p:txBody>
+      </p:sp>
+    </p:spTree>
+    <p:extLst>
+      <p:ext uri="{BB962C8B-B14F-4D97-AF65-F5344CB8AC3E}">
+        <p14:creationId xmlns:p14="http://schemas.microsoft.com/office/powerpoint/2010/main" val="2129782962"/>
+      </p:ext>
+    </p:extLst>
+  </p:cSld>
+  <p:clrMapOvr>
+    <a:masterClrMapping/>
+  </p:clrMapOvr>
+</p:notes>
+</file>
+
+<file path=ppt/notesSlides/notesSlide16.xml><?xml version="1.0" encoding="utf-8"?>
+<p:notes xmlns:a="http://schemas.openxmlformats.org/drawingml/2006/main" xmlns:r="http://schemas.openxmlformats.org/officeDocument/2006/relationships" xmlns:p="http://schemas.openxmlformats.org/presentationml/2006/main">
+  <p:cSld>
+    <p:spTree>
+      <p:nvGrpSpPr>
+        <p:cNvPr id="1" name=""/>
+        <p:cNvGrpSpPr/>
+        <p:nvPr/>
+      </p:nvGrpSpPr>
+      <p:grpSpPr>
+        <a:xfrm>
+          <a:off x="0" y="0"/>
+          <a:ext cx="0" cy="0"/>
+          <a:chOff x="0" y="0"/>
+          <a:chExt cx="0" cy="0"/>
+        </a:xfrm>
+      </p:grpSpPr>
+      <p:sp>
+        <p:nvSpPr>
+          <p:cNvPr id="2" name="Folienbildplatzhalter 1"/>
+          <p:cNvSpPr>
+            <a:spLocks noGrp="1" noRot="1" noChangeAspect="1"/>
+          </p:cNvSpPr>
+          <p:nvPr>
+            <p:ph type="sldImg"/>
+          </p:nvPr>
+        </p:nvSpPr>
+        <p:spPr>
+          <a:xfrm>
+            <a:off x="381000" y="685800"/>
+            <a:ext cx="6096000" cy="3429000"/>
+          </a:xfrm>
+        </p:spPr>
+      </p:sp>
+      <p:sp>
+        <p:nvSpPr>
+          <p:cNvPr id="3" name="Notizenplatzhalter 2"/>
+          <p:cNvSpPr>
+            <a:spLocks noGrp="1"/>
+          </p:cNvSpPr>
+          <p:nvPr>
+            <p:ph type="body" idx="1"/>
+          </p:nvPr>
+        </p:nvSpPr>
+        <p:spPr/>
+        <p:txBody>
+          <a:bodyPr/>
+          <a:lstStyle/>
+          <a:p>
+            <a:endParaRPr lang="de-DE" dirty="0"/>
+          </a:p>
+          <a:p>
             <a:r>
               <a:rPr lang="de-DE" dirty="0"/>
               <a:t>Funktionsaufbau (</a:t>
@@ -1739,14 +2005,38 @@
             <a:pPr lvl="1"/>
             <a:r>
               <a:rPr lang="de-DE" dirty="0"/>
-              <a:t>[B]</a:t>
+              <a:t>[A], [B] generischer Typ</a:t>
             </a:r>
           </a:p>
           <a:p>
             <a:pPr lvl="1"/>
             <a:r>
               <a:rPr lang="de-DE" dirty="0"/>
-              <a:t>[B &gt;: A]</a:t>
+              <a:t>[B &gt;: A] -&gt; </a:t>
+            </a:r>
+            <a:r>
+              <a:rPr lang="de-DE" dirty="0" err="1"/>
+              <a:t>lower</a:t>
+            </a:r>
+            <a:r>
+              <a:rPr lang="de-DE" dirty="0"/>
+              <a:t> </a:t>
+            </a:r>
+            <a:r>
+              <a:rPr lang="de-DE" dirty="0" err="1"/>
+              <a:t>bound</a:t>
+            </a:r>
+            <a:r>
+              <a:rPr lang="de-DE" dirty="0"/>
+              <a:t>, B </a:t>
+            </a:r>
+            <a:r>
+              <a:rPr lang="de-DE" dirty="0" err="1"/>
+              <a:t>supertyp</a:t>
+            </a:r>
+            <a:r>
+              <a:rPr lang="de-DE" dirty="0"/>
+              <a:t> von A</a:t>
             </a:r>
           </a:p>
           <a:p>
@@ -1783,7 +2073,7 @@
 </p:notes>
 </file>
 
-<file path=ppt/notesSlides/notesSlide16.xml><?xml version="1.0" encoding="utf-8"?>
+<file path=ppt/notesSlides/notesSlide17.xml><?xml version="1.0" encoding="utf-8"?>
 <p:notes xmlns:a="http://schemas.openxmlformats.org/drawingml/2006/main" xmlns:r="http://schemas.openxmlformats.org/officeDocument/2006/relationships" xmlns:p="http://schemas.openxmlformats.org/presentationml/2006/main" showMasterSp="0" showMasterPhAnim="0">
   <p:cSld>
     <p:spTree>
@@ -2057,7 +2347,7 @@
 </p:notes>
 </file>
 
-<file path=ppt/notesSlides/notesSlide17.xml><?xml version="1.0" encoding="utf-8"?>
+<file path=ppt/notesSlides/notesSlide18.xml><?xml version="1.0" encoding="utf-8"?>
 <p:notes xmlns:a="http://schemas.openxmlformats.org/drawingml/2006/main" xmlns:r="http://schemas.openxmlformats.org/officeDocument/2006/relationships" xmlns:p="http://schemas.openxmlformats.org/presentationml/2006/main">
   <p:cSld>
     <p:spTree>
@@ -2108,6 +2398,12 @@
           <a:p>
             <a:r>
               <a:rPr lang="de-DE" dirty="0"/>
+              <a:t>@unchecked = Compiler ignoriert den check </a:t>
+            </a:r>
+          </a:p>
+          <a:p>
+            <a:r>
+              <a:rPr lang="de-DE" dirty="0"/>
               <a:t>Nil = Ende / Leere Liste</a:t>
             </a:r>
           </a:p>
@@ -2118,7 +2414,7 @@
             </a:r>
             <a:r>
               <a:rPr lang="de-DE" dirty="0" err="1"/>
-              <a:t>prened</a:t>
+              <a:t>prepend</a:t>
             </a:r>
             <a:endParaRPr lang="de-DE" dirty="0"/>
           </a:p>
@@ -2391,91 +2687,153 @@
           <a:bodyPr/>
           <a:lstStyle/>
           <a:p>
-            <a:pPr marL="457200" marR="0" lvl="0" indent="-298450" algn="l" defTabSz="914400" rtl="0" eaLnBrk="1" fontAlgn="auto" latinLnBrk="0" hangingPunct="1">
-              <a:lnSpc>
-                <a:spcPct val="100000"/>
-              </a:lnSpc>
-              <a:spcBef>
-                <a:spcPts val="0"/>
-              </a:spcBef>
-              <a:spcAft>
-                <a:spcPts val="0"/>
-              </a:spcAft>
-              <a:buClr>
-                <a:srgbClr val="000000"/>
-              </a:buClr>
-              <a:buSzPts val="1100"/>
-              <a:buFont typeface="Arial"/>
-              <a:buChar char="●"/>
-              <a:tabLst/>
-              <a:defRPr/>
-            </a:pPr>
-            <a:r>
-              <a:rPr lang="de-DE" dirty="0"/>
-              <a:t>Bezug Paper Ralf Hinze und Ross Paterson </a:t>
-            </a:r>
-          </a:p>
-          <a:p>
-            <a:pPr marL="457200" marR="0" lvl="0" indent="-298450" algn="l" defTabSz="914400" rtl="0" eaLnBrk="1" fontAlgn="auto" latinLnBrk="0" hangingPunct="1">
-              <a:lnSpc>
-                <a:spcPct val="100000"/>
-              </a:lnSpc>
-              <a:spcBef>
-                <a:spcPts val="0"/>
-              </a:spcBef>
-              <a:spcAft>
-                <a:spcPts val="0"/>
-              </a:spcAft>
-              <a:buClr>
-                <a:srgbClr val="000000"/>
-              </a:buClr>
-              <a:buSzPts val="1100"/>
-              <a:buFont typeface="Arial"/>
-              <a:buChar char="●"/>
-              <a:tabLst/>
-              <a:defRPr/>
-            </a:pPr>
-            <a:r>
-              <a:rPr lang="de-DE" dirty="0"/>
-              <a:t>erweitern 2-3 </a:t>
-            </a:r>
-            <a:r>
-              <a:rPr lang="de-DE" dirty="0" err="1"/>
-              <a:t>Trees</a:t>
-            </a:r>
-            <a:r>
-              <a:rPr lang="de-DE" dirty="0"/>
-              <a:t> (-&gt; nächste Folie)</a:t>
-            </a:r>
-          </a:p>
-          <a:p>
-            <a:pPr marL="457200" marR="0" lvl="0" indent="-298450" algn="l" defTabSz="914400" rtl="0" eaLnBrk="1" fontAlgn="auto" latinLnBrk="0" hangingPunct="1">
-              <a:lnSpc>
-                <a:spcPct val="100000"/>
-              </a:lnSpc>
-              <a:spcBef>
-                <a:spcPts val="0"/>
-              </a:spcBef>
-              <a:spcAft>
-                <a:spcPts val="0"/>
-              </a:spcAft>
-              <a:buClr>
-                <a:srgbClr val="000000"/>
-              </a:buClr>
-              <a:buSzPts val="1100"/>
-              <a:buFont typeface="Arial"/>
-              <a:buChar char="●"/>
-              <a:tabLst/>
-              <a:defRPr/>
-            </a:pPr>
-            <a:endParaRPr lang="de-DE" dirty="0"/>
+            <a:r>
+              <a:rPr lang="de-DE" b="0" i="0" dirty="0">
+                <a:solidFill>
+                  <a:srgbClr val="D1D5DB"/>
+                </a:solidFill>
+                <a:effectLst/>
+                <a:latin typeface="+mj-lt"/>
+              </a:rPr>
+              <a:t>Mit Funktionale Programmierparadigmen programmiert</a:t>
+            </a:r>
+          </a:p>
+          <a:p>
+            <a:pPr lvl="1"/>
+            <a:r>
+              <a:rPr lang="de-DE" b="0" i="0" dirty="0">
+                <a:solidFill>
+                  <a:srgbClr val="D1D5DB"/>
+                </a:solidFill>
+                <a:effectLst/>
+                <a:latin typeface="+mj-lt"/>
+              </a:rPr>
+              <a:t>Imperativ: mit Anweisungen verändern</a:t>
+            </a:r>
+          </a:p>
+          <a:p>
+            <a:pPr lvl="1"/>
+            <a:r>
+              <a:rPr lang="de-DE" b="0" i="0" dirty="0">
+                <a:solidFill>
+                  <a:srgbClr val="D1D5DB"/>
+                </a:solidFill>
+                <a:effectLst/>
+                <a:latin typeface="+mj-lt"/>
+              </a:rPr>
+              <a:t>Funktional: mit Rückgabe von Funktionen verändern</a:t>
+            </a:r>
+          </a:p>
+          <a:p>
+            <a:r>
+              <a:rPr lang="de-DE" b="0" i="0" dirty="0">
+                <a:solidFill>
+                  <a:srgbClr val="D1D5DB"/>
+                </a:solidFill>
+                <a:effectLst/>
+                <a:latin typeface="+mj-lt"/>
+              </a:rPr>
+              <a:t>Unveränderbar</a:t>
+            </a:r>
+          </a:p>
+          <a:p>
+            <a:pPr lvl="1"/>
+            <a:r>
+              <a:rPr lang="de-DE" b="0" i="0" dirty="0">
+                <a:solidFill>
+                  <a:srgbClr val="D1D5DB"/>
+                </a:solidFill>
+                <a:effectLst/>
+                <a:latin typeface="+mj-lt"/>
+              </a:rPr>
+              <a:t>Keine Veränderung nach Initialisierung </a:t>
+            </a:r>
+          </a:p>
+          <a:p>
+            <a:pPr lvl="2"/>
+            <a:r>
+              <a:rPr lang="de-DE" b="0" i="0" dirty="0">
+                <a:solidFill>
+                  <a:srgbClr val="D1D5DB"/>
+                </a:solidFill>
+                <a:effectLst/>
+                <a:latin typeface="+mj-lt"/>
+              </a:rPr>
+              <a:t>nicht </a:t>
+            </a:r>
+            <a:r>
+              <a:rPr lang="de-DE" b="0" i="0" dirty="0" err="1">
+                <a:solidFill>
+                  <a:srgbClr val="D1D5DB"/>
+                </a:solidFill>
+                <a:effectLst/>
+                <a:latin typeface="+mj-lt"/>
+              </a:rPr>
+              <a:t>mutierbar</a:t>
+            </a:r>
+            <a:r>
+              <a:rPr lang="de-DE" b="0" i="0" dirty="0">
+                <a:solidFill>
+                  <a:srgbClr val="D1D5DB"/>
+                </a:solidFill>
+                <a:effectLst/>
+                <a:latin typeface="+mj-lt"/>
+              </a:rPr>
+              <a:t>, keine Seiteneffekte</a:t>
+            </a:r>
+          </a:p>
+          <a:p>
+            <a:pPr lvl="2"/>
+            <a:r>
+              <a:rPr lang="de-DE" b="0" i="0" dirty="0">
+                <a:solidFill>
+                  <a:srgbClr val="D1D5DB"/>
+                </a:solidFill>
+                <a:effectLst/>
+                <a:latin typeface="+mj-lt"/>
+              </a:rPr>
+              <a:t>Keine </a:t>
+            </a:r>
+            <a:r>
+              <a:rPr lang="de-DE" b="0" i="0" dirty="0" err="1">
+                <a:solidFill>
+                  <a:srgbClr val="D1D5DB"/>
+                </a:solidFill>
+                <a:effectLst/>
+                <a:latin typeface="+mj-lt"/>
+              </a:rPr>
+              <a:t>Syhnchronisierung</a:t>
+            </a:r>
+            <a:r>
+              <a:rPr lang="de-DE" b="0" i="0" dirty="0">
+                <a:solidFill>
+                  <a:srgbClr val="D1D5DB"/>
+                </a:solidFill>
+                <a:effectLst/>
+                <a:latin typeface="+mj-lt"/>
+              </a:rPr>
+              <a:t> nötig</a:t>
+            </a:r>
+          </a:p>
+          <a:p>
+            <a:pPr lvl="1"/>
+            <a:r>
+              <a:rPr lang="de-DE" b="0" i="0" dirty="0">
+                <a:solidFill>
+                  <a:srgbClr val="D1D5DB"/>
+                </a:solidFill>
+                <a:effectLst/>
+                <a:latin typeface="+mj-lt"/>
+              </a:rPr>
+              <a:t>Neue Datenstruktur mit Referenzen (Bilder)</a:t>
+            </a:r>
           </a:p>
         </p:txBody>
       </p:sp>
     </p:spTree>
     <p:extLst>
       <p:ext uri="{BB962C8B-B14F-4D97-AF65-F5344CB8AC3E}">
-        <p14:creationId xmlns:p14="http://schemas.microsoft.com/office/powerpoint/2010/main" val="3530864795"/>
+        <p14:creationId xmlns:p14="http://schemas.microsoft.com/office/powerpoint/2010/main" val="970913316"/>
       </p:ext>
     </p:extLst>
   </p:cSld>
@@ -2534,17 +2892,91 @@
           <a:bodyPr/>
           <a:lstStyle/>
           <a:p>
-            <a:r>
-              <a:rPr lang="de-DE" dirty="0"/>
-              <a:t>Kurz aufzeigen, dass immer nur 2 oder 3 Knoten sind</a:t>
-            </a:r>
+            <a:pPr marL="457200" marR="0" lvl="0" indent="-298450" algn="l" defTabSz="914400" rtl="0" eaLnBrk="1" fontAlgn="auto" latinLnBrk="0" hangingPunct="1">
+              <a:lnSpc>
+                <a:spcPct val="100000"/>
+              </a:lnSpc>
+              <a:spcBef>
+                <a:spcPts val="0"/>
+              </a:spcBef>
+              <a:spcAft>
+                <a:spcPts val="0"/>
+              </a:spcAft>
+              <a:buClr>
+                <a:srgbClr val="000000"/>
+              </a:buClr>
+              <a:buSzPts val="1100"/>
+              <a:buFont typeface="Arial"/>
+              <a:buChar char="●"/>
+              <a:tabLst/>
+              <a:defRPr/>
+            </a:pPr>
+            <a:r>
+              <a:rPr lang="de-DE" dirty="0"/>
+              <a:t>Bezug Paper Ralf Hinze und Ross Paterson </a:t>
+            </a:r>
+          </a:p>
+          <a:p>
+            <a:pPr marL="457200" marR="0" lvl="0" indent="-298450" algn="l" defTabSz="914400" rtl="0" eaLnBrk="1" fontAlgn="auto" latinLnBrk="0" hangingPunct="1">
+              <a:lnSpc>
+                <a:spcPct val="100000"/>
+              </a:lnSpc>
+              <a:spcBef>
+                <a:spcPts val="0"/>
+              </a:spcBef>
+              <a:spcAft>
+                <a:spcPts val="0"/>
+              </a:spcAft>
+              <a:buClr>
+                <a:srgbClr val="000000"/>
+              </a:buClr>
+              <a:buSzPts val="1100"/>
+              <a:buFont typeface="Arial"/>
+              <a:buChar char="●"/>
+              <a:tabLst/>
+              <a:defRPr/>
+            </a:pPr>
+            <a:r>
+              <a:rPr lang="de-DE" dirty="0"/>
+              <a:t>erweitern 2-3 </a:t>
+            </a:r>
+            <a:r>
+              <a:rPr lang="de-DE" dirty="0" err="1"/>
+              <a:t>Trees</a:t>
+            </a:r>
+            <a:r>
+              <a:rPr lang="de-DE" dirty="0"/>
+              <a:t> (-&gt; nächste Folie)</a:t>
+            </a:r>
+          </a:p>
+          <a:p>
+            <a:pPr marL="457200" marR="0" lvl="0" indent="-298450" algn="l" defTabSz="914400" rtl="0" eaLnBrk="1" fontAlgn="auto" latinLnBrk="0" hangingPunct="1">
+              <a:lnSpc>
+                <a:spcPct val="100000"/>
+              </a:lnSpc>
+              <a:spcBef>
+                <a:spcPts val="0"/>
+              </a:spcBef>
+              <a:spcAft>
+                <a:spcPts val="0"/>
+              </a:spcAft>
+              <a:buClr>
+                <a:srgbClr val="000000"/>
+              </a:buClr>
+              <a:buSzPts val="1100"/>
+              <a:buFont typeface="Arial"/>
+              <a:buChar char="●"/>
+              <a:tabLst/>
+              <a:defRPr/>
+            </a:pPr>
+            <a:endParaRPr lang="de-DE" dirty="0"/>
           </a:p>
         </p:txBody>
       </p:sp>
     </p:spTree>
     <p:extLst>
       <p:ext uri="{BB962C8B-B14F-4D97-AF65-F5344CB8AC3E}">
-        <p14:creationId xmlns:p14="http://schemas.microsoft.com/office/powerpoint/2010/main" val="3387368146"/>
+        <p14:creationId xmlns:p14="http://schemas.microsoft.com/office/powerpoint/2010/main" val="3530864795"/>
       </p:ext>
     </p:extLst>
   </p:cSld>
@@ -2603,70 +3035,9 @@
           <a:bodyPr/>
           <a:lstStyle/>
           <a:p>
-            <a:pPr marL="457200" indent="-298450"/>
-            <a:r>
-              <a:rPr lang="de-DE" dirty="0"/>
-              <a:t>Funktionale Repräsentation von persistenten Sequenzen -&gt; wie zuvor </a:t>
-            </a:r>
-          </a:p>
-          <a:p>
-            <a:pPr marL="457200" indent="-298450"/>
-            <a:r>
-              <a:rPr lang="de-DE" dirty="0"/>
-              <a:t>Effizient</a:t>
-            </a:r>
-          </a:p>
-          <a:p>
-            <a:pPr marL="914400" lvl="1" indent="-298450"/>
-            <a:r>
-              <a:rPr lang="de-DE" dirty="0"/>
-              <a:t>Zugriff erstes/letzte Element konstant</a:t>
-            </a:r>
-          </a:p>
-          <a:p>
-            <a:pPr marL="914400" lvl="1" indent="-298450"/>
-            <a:r>
-              <a:rPr lang="de-DE" dirty="0"/>
-              <a:t>Erste / letzte Element konstant Vorne/hinten Anfügen </a:t>
-            </a:r>
-            <a:r>
-              <a:rPr lang="de-DE" dirty="0" err="1"/>
-              <a:t>worst</a:t>
-            </a:r>
-            <a:r>
-              <a:rPr lang="de-DE" dirty="0"/>
-              <a:t> </a:t>
-            </a:r>
-            <a:r>
-              <a:rPr lang="de-DE" dirty="0" err="1"/>
-              <a:t>case</a:t>
-            </a:r>
-            <a:r>
-              <a:rPr lang="de-DE" dirty="0"/>
-              <a:t> O(log n)</a:t>
-            </a:r>
-          </a:p>
-          <a:p>
-            <a:pPr marL="1371600" lvl="2" indent="-298450"/>
-            <a:r>
-              <a:rPr lang="de-DE" dirty="0"/>
-              <a:t>Typischer Anwendungsfall viel vor/anhängen konstant</a:t>
-            </a:r>
-          </a:p>
-          <a:p>
-            <a:pPr marL="914400" lvl="1" indent="-298450"/>
-            <a:r>
-              <a:rPr lang="de-DE" dirty="0"/>
-              <a:t>Zusammenführen O(log n)</a:t>
-            </a:r>
-          </a:p>
-          <a:p>
-            <a:pPr marL="615950" lvl="1" indent="0">
-              <a:buNone/>
-            </a:pPr>
-            <a:r>
-              <a:rPr lang="de-DE" dirty="0"/>
-              <a:t>=&gt; Später genauer drauf eingegangen</a:t>
+            <a:r>
+              <a:rPr lang="de-DE" dirty="0"/>
+              <a:t>Kurz aufzeigen, dass immer nur 2 oder 3 Knoten sind</a:t>
             </a:r>
           </a:p>
         </p:txBody>
@@ -2674,7 +3045,7 @@
     </p:spTree>
     <p:extLst>
       <p:ext uri="{BB962C8B-B14F-4D97-AF65-F5344CB8AC3E}">
-        <p14:creationId xmlns:p14="http://schemas.microsoft.com/office/powerpoint/2010/main" val="3159708679"/>
+        <p14:creationId xmlns:p14="http://schemas.microsoft.com/office/powerpoint/2010/main" val="3387368146"/>
       </p:ext>
     </p:extLst>
   </p:cSld>
@@ -2733,15 +3104,70 @@
           <a:bodyPr/>
           <a:lstStyle/>
           <a:p>
-            <a:r>
-              <a:rPr lang="de-DE" dirty="0"/>
-              <a:t>Seminar implementierte Basisoperationen</a:t>
-            </a:r>
-          </a:p>
-          <a:p>
-            <a:r>
-              <a:rPr lang="de-DE" dirty="0"/>
-              <a:t>Alle kurz näher erläutern</a:t>
+            <a:pPr marL="457200" indent="-298450"/>
+            <a:r>
+              <a:rPr lang="de-DE" dirty="0"/>
+              <a:t>Funktionale Repräsentation von persistenten Sequenzen -&gt; wie zuvor </a:t>
+            </a:r>
+          </a:p>
+          <a:p>
+            <a:pPr marL="457200" indent="-298450"/>
+            <a:r>
+              <a:rPr lang="de-DE" dirty="0"/>
+              <a:t>Effizient</a:t>
+            </a:r>
+          </a:p>
+          <a:p>
+            <a:pPr marL="914400" lvl="1" indent="-298450"/>
+            <a:r>
+              <a:rPr lang="de-DE" dirty="0"/>
+              <a:t>Zugriff erstes/letzte Element konstant</a:t>
+            </a:r>
+          </a:p>
+          <a:p>
+            <a:pPr marL="914400" lvl="1" indent="-298450"/>
+            <a:r>
+              <a:rPr lang="de-DE" dirty="0"/>
+              <a:t>Erste / letzte Element konstant Vorne/hinten Anfügen </a:t>
+            </a:r>
+            <a:r>
+              <a:rPr lang="de-DE" dirty="0" err="1"/>
+              <a:t>worst</a:t>
+            </a:r>
+            <a:r>
+              <a:rPr lang="de-DE" dirty="0"/>
+              <a:t> </a:t>
+            </a:r>
+            <a:r>
+              <a:rPr lang="de-DE" dirty="0" err="1"/>
+              <a:t>case</a:t>
+            </a:r>
+            <a:r>
+              <a:rPr lang="de-DE" dirty="0"/>
+              <a:t> O(log n)</a:t>
+            </a:r>
+          </a:p>
+          <a:p>
+            <a:pPr marL="1371600" lvl="2" indent="-298450"/>
+            <a:r>
+              <a:rPr lang="de-DE" dirty="0"/>
+              <a:t>Typischer Anwendungsfall viel vor/anhängen konstant</a:t>
+            </a:r>
+          </a:p>
+          <a:p>
+            <a:pPr marL="914400" lvl="1" indent="-298450"/>
+            <a:r>
+              <a:rPr lang="de-DE" dirty="0"/>
+              <a:t>Zusammenführen O(log n)</a:t>
+            </a:r>
+          </a:p>
+          <a:p>
+            <a:pPr marL="615950" lvl="1" indent="0">
+              <a:buNone/>
+            </a:pPr>
+            <a:r>
+              <a:rPr lang="de-DE" dirty="0"/>
+              <a:t>=&gt; Später genauer drauf eingegangen</a:t>
             </a:r>
           </a:p>
         </p:txBody>
@@ -2749,7 +3175,7 @@
     </p:spTree>
     <p:extLst>
       <p:ext uri="{BB962C8B-B14F-4D97-AF65-F5344CB8AC3E}">
-        <p14:creationId xmlns:p14="http://schemas.microsoft.com/office/powerpoint/2010/main" val="2375071956"/>
+        <p14:creationId xmlns:p14="http://schemas.microsoft.com/office/powerpoint/2010/main" val="3159708679"/>
       </p:ext>
     </p:extLst>
   </p:cSld>
@@ -2810,64 +3236,21 @@
           <a:p>
             <a:r>
               <a:rPr lang="de-DE" dirty="0"/>
-              <a:t>Aufteilung in 5 Komponenten</a:t>
-            </a:r>
-          </a:p>
-          <a:p>
-            <a:pPr lvl="1"/>
-            <a:r>
-              <a:rPr lang="de-DE" dirty="0" err="1"/>
-              <a:t>TreeComponent</a:t>
-            </a:r>
-            <a:endParaRPr lang="de-DE" dirty="0"/>
-          </a:p>
-          <a:p>
-            <a:pPr lvl="2"/>
-            <a:r>
-              <a:rPr lang="de-DE" dirty="0"/>
-              <a:t>Empty, Single, Deep</a:t>
-            </a:r>
-          </a:p>
-          <a:p>
-            <a:pPr lvl="2"/>
-            <a:r>
-              <a:rPr lang="de-DE" dirty="0"/>
-              <a:t>Selbe </a:t>
-            </a:r>
-            <a:r>
-              <a:rPr lang="de-DE" dirty="0" err="1"/>
-              <a:t>funktionalitäten</a:t>
-            </a:r>
-            <a:endParaRPr lang="de-DE" dirty="0"/>
-          </a:p>
-          <a:p>
-            <a:pPr lvl="2"/>
-            <a:r>
-              <a:rPr lang="de-DE" dirty="0"/>
-              <a:t>Wurzelkomponente</a:t>
-            </a:r>
-          </a:p>
-          <a:p>
-            <a:pPr lvl="1"/>
-            <a:r>
-              <a:rPr lang="de-DE" dirty="0"/>
-              <a:t>Digit</a:t>
-            </a:r>
-          </a:p>
-          <a:p>
-            <a:pPr lvl="1"/>
-            <a:r>
-              <a:rPr lang="de-DE" dirty="0" err="1"/>
-              <a:t>Node</a:t>
-            </a:r>
-            <a:endParaRPr lang="de-DE" dirty="0"/>
+              <a:t>Seminar implementierte Basisoperationen</a:t>
+            </a:r>
+          </a:p>
+          <a:p>
+            <a:r>
+              <a:rPr lang="de-DE" dirty="0"/>
+              <a:t>Alle kurz näher erläutern</a:t>
+            </a:r>
           </a:p>
         </p:txBody>
       </p:sp>
     </p:spTree>
     <p:extLst>
       <p:ext uri="{BB962C8B-B14F-4D97-AF65-F5344CB8AC3E}">
-        <p14:creationId xmlns:p14="http://schemas.microsoft.com/office/powerpoint/2010/main" val="2132391912"/>
+        <p14:creationId xmlns:p14="http://schemas.microsoft.com/office/powerpoint/2010/main" val="2375071956"/>
       </p:ext>
     </p:extLst>
   </p:cSld>
@@ -2928,21 +3311,64 @@
           <a:p>
             <a:r>
               <a:rPr lang="de-DE" dirty="0"/>
-              <a:t>Komponentenname eingefärbt wie Video</a:t>
-            </a:r>
-          </a:p>
-          <a:p>
-            <a:r>
-              <a:rPr lang="de-DE" dirty="0"/>
-              <a:t>Video zeigen </a:t>
-            </a:r>
+              <a:t>Aufteilung in 5 Komponenten</a:t>
+            </a:r>
+          </a:p>
+          <a:p>
+            <a:pPr lvl="1"/>
+            <a:r>
+              <a:rPr lang="de-DE" dirty="0" err="1"/>
+              <a:t>TreeComponent</a:t>
+            </a:r>
+            <a:endParaRPr lang="de-DE" dirty="0"/>
+          </a:p>
+          <a:p>
+            <a:pPr lvl="2"/>
+            <a:r>
+              <a:rPr lang="de-DE" dirty="0"/>
+              <a:t>Empty, Single, Deep</a:t>
+            </a:r>
+          </a:p>
+          <a:p>
+            <a:pPr lvl="2"/>
+            <a:r>
+              <a:rPr lang="de-DE" dirty="0"/>
+              <a:t>Selbe </a:t>
+            </a:r>
+            <a:r>
+              <a:rPr lang="de-DE" dirty="0" err="1"/>
+              <a:t>funktionalitäten</a:t>
+            </a:r>
+            <a:endParaRPr lang="de-DE" dirty="0"/>
+          </a:p>
+          <a:p>
+            <a:pPr lvl="2"/>
+            <a:r>
+              <a:rPr lang="de-DE" dirty="0"/>
+              <a:t>Wurzelkomponente</a:t>
+            </a:r>
+          </a:p>
+          <a:p>
+            <a:pPr lvl="1"/>
+            <a:r>
+              <a:rPr lang="de-DE" dirty="0"/>
+              <a:t>Digit</a:t>
+            </a:r>
+          </a:p>
+          <a:p>
+            <a:pPr lvl="1"/>
+            <a:r>
+              <a:rPr lang="de-DE" dirty="0" err="1"/>
+              <a:t>Node</a:t>
+            </a:r>
+            <a:endParaRPr lang="de-DE" dirty="0"/>
           </a:p>
         </p:txBody>
       </p:sp>
     </p:spTree>
     <p:extLst>
       <p:ext uri="{BB962C8B-B14F-4D97-AF65-F5344CB8AC3E}">
-        <p14:creationId xmlns:p14="http://schemas.microsoft.com/office/powerpoint/2010/main" val="3683102022"/>
+        <p14:creationId xmlns:p14="http://schemas.microsoft.com/office/powerpoint/2010/main" val="2132391912"/>
       </p:ext>
     </p:extLst>
   </p:cSld>
@@ -3003,13 +3429,13 @@
           <a:p>
             <a:r>
               <a:rPr lang="de-DE" dirty="0"/>
-              <a:t>Empty  = leer</a:t>
-            </a:r>
-          </a:p>
-          <a:p>
-            <a:r>
-              <a:rPr lang="de-DE" dirty="0"/>
-              <a:t>Hinzufügen -&gt; Single</a:t>
+              <a:t>Komponentenname eingefärbt wie Video</a:t>
+            </a:r>
+          </a:p>
+          <a:p>
+            <a:r>
+              <a:rPr lang="de-DE" dirty="0"/>
+              <a:t>Video zeigen </a:t>
             </a:r>
           </a:p>
         </p:txBody>
@@ -3017,7 +3443,7 @@
     </p:spTree>
     <p:extLst>
       <p:ext uri="{BB962C8B-B14F-4D97-AF65-F5344CB8AC3E}">
-        <p14:creationId xmlns:p14="http://schemas.microsoft.com/office/powerpoint/2010/main" val="4184012979"/>
+        <p14:creationId xmlns:p14="http://schemas.microsoft.com/office/powerpoint/2010/main" val="3683102022"/>
       </p:ext>
     </p:extLst>
   </p:cSld>
@@ -8216,8 +8642,8 @@
               <a:buNone/>
             </a:pPr>
             <a:r>
-              <a:rPr lang="de"/>
-              <a:t>FingerTrees</a:t>
+              <a:rPr lang="de" dirty="0"/>
+              <a:t>FingerTree</a:t>
             </a:r>
             <a:endParaRPr dirty="0"/>
           </a:p>
@@ -8313,6 +8739,124 @@
 </file>
 
 <file path=ppt/slides/slide10.xml><?xml version="1.0" encoding="utf-8"?>
+<p:sld xmlns:a="http://schemas.openxmlformats.org/drawingml/2006/main" xmlns:r="http://schemas.openxmlformats.org/officeDocument/2006/relationships" xmlns:p="http://schemas.openxmlformats.org/presentationml/2006/main">
+  <p:cSld>
+    <p:spTree>
+      <p:nvGrpSpPr>
+        <p:cNvPr id="1" name=""/>
+        <p:cNvGrpSpPr/>
+        <p:nvPr/>
+      </p:nvGrpSpPr>
+      <p:grpSpPr>
+        <a:xfrm>
+          <a:off x="0" y="0"/>
+          <a:ext cx="0" cy="0"/>
+          <a:chOff x="0" y="0"/>
+          <a:chExt cx="0" cy="0"/>
+        </a:xfrm>
+      </p:grpSpPr>
+      <p:sp>
+        <p:nvSpPr>
+          <p:cNvPr id="2" name="Titel 1">
+            <a:extLst>
+              <a:ext uri="{FF2B5EF4-FFF2-40B4-BE49-F238E27FC236}">
+                <a16:creationId xmlns:a16="http://schemas.microsoft.com/office/drawing/2014/main" id="{40E93307-ADEC-6AD3-C7E4-E50DBB3DA0D7}"/>
+              </a:ext>
+            </a:extLst>
+          </p:cNvPr>
+          <p:cNvSpPr>
+            <a:spLocks noGrp="1"/>
+          </p:cNvSpPr>
+          <p:nvPr>
+            <p:ph type="title"/>
+          </p:nvPr>
+        </p:nvSpPr>
+        <p:spPr/>
+        <p:txBody>
+          <a:bodyPr/>
+          <a:lstStyle/>
+          <a:p>
+            <a:r>
+              <a:rPr lang="de-DE" dirty="0"/>
+              <a:t>Empty</a:t>
+            </a:r>
+          </a:p>
+        </p:txBody>
+      </p:sp>
+      <p:sp>
+        <p:nvSpPr>
+          <p:cNvPr id="3" name="Textplatzhalter 2">
+            <a:extLst>
+              <a:ext uri="{FF2B5EF4-FFF2-40B4-BE49-F238E27FC236}">
+                <a16:creationId xmlns:a16="http://schemas.microsoft.com/office/drawing/2014/main" id="{5541A7D5-0B38-AC56-1229-B74A4E5844FA}"/>
+              </a:ext>
+            </a:extLst>
+          </p:cNvPr>
+          <p:cNvSpPr>
+            <a:spLocks noGrp="1"/>
+          </p:cNvSpPr>
+          <p:nvPr>
+            <p:ph type="body" idx="1"/>
+          </p:nvPr>
+        </p:nvSpPr>
+        <p:spPr>
+          <a:xfrm>
+            <a:off x="5454650" y="1431835"/>
+            <a:ext cx="3301450" cy="3473628"/>
+          </a:xfrm>
+        </p:spPr>
+        <p:txBody>
+          <a:bodyPr/>
+          <a:lstStyle/>
+          <a:p>
+            <a:endParaRPr lang="de-DE" dirty="0"/>
+          </a:p>
+        </p:txBody>
+      </p:sp>
+      <p:pic>
+        <p:nvPicPr>
+          <p:cNvPr id="5" name="Grafik 4">
+            <a:extLst>
+              <a:ext uri="{FF2B5EF4-FFF2-40B4-BE49-F238E27FC236}">
+                <a16:creationId xmlns:a16="http://schemas.microsoft.com/office/drawing/2014/main" id="{160FA39F-AEEE-EA6A-C545-99704F54203C}"/>
+              </a:ext>
+            </a:extLst>
+          </p:cNvPr>
+          <p:cNvPicPr>
+            <a:picLocks noChangeAspect="1"/>
+          </p:cNvPicPr>
+          <p:nvPr/>
+        </p:nvPicPr>
+        <p:blipFill>
+          <a:blip r:embed="rId3"/>
+          <a:stretch>
+            <a:fillRect/>
+          </a:stretch>
+        </p:blipFill>
+        <p:spPr>
+          <a:xfrm>
+            <a:off x="495850" y="1431835"/>
+            <a:ext cx="4654789" cy="3473629"/>
+          </a:xfrm>
+          <a:prstGeom prst="rect">
+            <a:avLst/>
+          </a:prstGeom>
+        </p:spPr>
+      </p:pic>
+    </p:spTree>
+    <p:extLst>
+      <p:ext uri="{BB962C8B-B14F-4D97-AF65-F5344CB8AC3E}">
+        <p14:creationId xmlns:p14="http://schemas.microsoft.com/office/powerpoint/2010/main" val="18063416"/>
+      </p:ext>
+    </p:extLst>
+  </p:cSld>
+  <p:clrMapOvr>
+    <a:masterClrMapping/>
+  </p:clrMapOvr>
+</p:sld>
+</file>
+
+<file path=ppt/slides/slide11.xml><?xml version="1.0" encoding="utf-8"?>
 <p:sld xmlns:a="http://schemas.openxmlformats.org/drawingml/2006/main" xmlns:r="http://schemas.openxmlformats.org/officeDocument/2006/relationships" xmlns:p="http://schemas.openxmlformats.org/presentationml/2006/main">
   <p:cSld>
     <p:spTree>
@@ -8433,7 +8977,7 @@
 </p:sld>
 </file>
 
-<file path=ppt/slides/slide11.xml><?xml version="1.0" encoding="utf-8"?>
+<file path=ppt/slides/slide12.xml><?xml version="1.0" encoding="utf-8"?>
 <p:sld xmlns:a="http://schemas.openxmlformats.org/drawingml/2006/main" xmlns:r="http://schemas.openxmlformats.org/officeDocument/2006/relationships" xmlns:p="http://schemas.openxmlformats.org/presentationml/2006/main">
   <p:cSld>
     <p:spTree>
@@ -8673,7 +9217,7 @@
 </p:sld>
 </file>
 
-<file path=ppt/slides/slide12.xml><?xml version="1.0" encoding="utf-8"?>
+<file path=ppt/slides/slide13.xml><?xml version="1.0" encoding="utf-8"?>
 <p:sld xmlns:a="http://schemas.openxmlformats.org/drawingml/2006/main" xmlns:r="http://schemas.openxmlformats.org/officeDocument/2006/relationships" xmlns:p="http://schemas.openxmlformats.org/presentationml/2006/main">
   <p:cSld>
     <p:spTree>
@@ -9047,7 +9591,7 @@
 </p:sld>
 </file>
 
-<file path=ppt/slides/slide13.xml><?xml version="1.0" encoding="utf-8"?>
+<file path=ppt/slides/slide14.xml><?xml version="1.0" encoding="utf-8"?>
 <p:sld xmlns:a="http://schemas.openxmlformats.org/drawingml/2006/main" xmlns:r="http://schemas.openxmlformats.org/officeDocument/2006/relationships" xmlns:p="http://schemas.openxmlformats.org/presentationml/2006/main">
   <p:cSld>
     <p:spTree>
@@ -9422,7 +9966,7 @@
 </p:sld>
 </file>
 
-<file path=ppt/slides/slide14.xml><?xml version="1.0" encoding="utf-8"?>
+<file path=ppt/slides/slide15.xml><?xml version="1.0" encoding="utf-8"?>
 <p:sld xmlns:a="http://schemas.openxmlformats.org/drawingml/2006/main" xmlns:r="http://schemas.openxmlformats.org/officeDocument/2006/relationships" xmlns:p="http://schemas.openxmlformats.org/presentationml/2006/main">
   <p:cSld>
     <p:spTree>
@@ -9510,7 +10054,7 @@
 </p:sld>
 </file>
 
-<file path=ppt/slides/slide15.xml><?xml version="1.0" encoding="utf-8"?>
+<file path=ppt/slides/slide16.xml><?xml version="1.0" encoding="utf-8"?>
 <p:sld xmlns:a="http://schemas.openxmlformats.org/drawingml/2006/main" xmlns:r="http://schemas.openxmlformats.org/officeDocument/2006/relationships" xmlns:p="http://schemas.openxmlformats.org/presentationml/2006/main">
   <p:cSld>
     <p:spTree>
@@ -9611,7 +10155,7 @@
 </p:sld>
 </file>
 
-<file path=ppt/slides/slide16.xml><?xml version="1.0" encoding="utf-8"?>
+<file path=ppt/slides/slide17.xml><?xml version="1.0" encoding="utf-8"?>
 <p:sld xmlns:a="http://schemas.openxmlformats.org/drawingml/2006/main" xmlns:r="http://schemas.openxmlformats.org/officeDocument/2006/relationships" xmlns:p="http://schemas.openxmlformats.org/presentationml/2006/main">
   <p:cSld>
     <p:spTree>
@@ -9708,7 +10252,7 @@
         </p:blipFill>
         <p:spPr>
           <a:xfrm>
-            <a:off x="1557866" y="1479550"/>
+            <a:off x="1557866" y="1486128"/>
             <a:ext cx="6028267" cy="3390900"/>
           </a:xfrm>
           <a:prstGeom prst="rect">
@@ -9859,7 +10403,7 @@
 </p:sld>
 </file>
 
-<file path=ppt/slides/slide17.xml><?xml version="1.0" encoding="utf-8"?>
+<file path=ppt/slides/slide18.xml><?xml version="1.0" encoding="utf-8"?>
 <p:sld xmlns:a="http://schemas.openxmlformats.org/drawingml/2006/main" xmlns:r="http://schemas.openxmlformats.org/officeDocument/2006/relationships" xmlns:p="http://schemas.openxmlformats.org/presentationml/2006/main">
   <p:cSld>
     <p:spTree>
@@ -9994,6 +10538,96 @@
           </a:p>
         </p:txBody>
       </p:sp>
+      <p:pic>
+        <p:nvPicPr>
+          <p:cNvPr id="5" name="Grafik 4">
+            <a:extLst>
+              <a:ext uri="{FF2B5EF4-FFF2-40B4-BE49-F238E27FC236}">
+                <a16:creationId xmlns:a16="http://schemas.microsoft.com/office/drawing/2014/main" id="{47E61389-B82E-9CA5-9592-B136304BDE49}"/>
+              </a:ext>
+            </a:extLst>
+          </p:cNvPr>
+          <p:cNvPicPr>
+            <a:picLocks noChangeAspect="1"/>
+          </p:cNvPicPr>
+          <p:nvPr/>
+        </p:nvPicPr>
+        <p:blipFill>
+          <a:blip r:embed="rId3"/>
+          <a:stretch>
+            <a:fillRect/>
+          </a:stretch>
+        </p:blipFill>
+        <p:spPr>
+          <a:xfrm>
+            <a:off x="1386369" y="2011994"/>
+            <a:ext cx="2711894" cy="2673482"/>
+          </a:xfrm>
+          <a:prstGeom prst="rect">
+            <a:avLst/>
+          </a:prstGeom>
+        </p:spPr>
+      </p:pic>
+    </p:spTree>
+    <p:extLst>
+      <p:ext uri="{BB962C8B-B14F-4D97-AF65-F5344CB8AC3E}">
+        <p14:creationId xmlns:p14="http://schemas.microsoft.com/office/powerpoint/2010/main" val="2634318318"/>
+      </p:ext>
+    </p:extLst>
+  </p:cSld>
+  <p:clrMapOvr>
+    <a:masterClrMapping/>
+  </p:clrMapOvr>
+</p:sld>
+</file>
+
+<file path=ppt/slides/slide3.xml><?xml version="1.0" encoding="utf-8"?>
+<p:sld xmlns:a="http://schemas.openxmlformats.org/drawingml/2006/main" xmlns:r="http://schemas.openxmlformats.org/officeDocument/2006/relationships" xmlns:p="http://schemas.openxmlformats.org/presentationml/2006/main">
+  <p:cSld>
+    <p:spTree>
+      <p:nvGrpSpPr>
+        <p:cNvPr id="1" name=""/>
+        <p:cNvGrpSpPr/>
+        <p:nvPr/>
+      </p:nvGrpSpPr>
+      <p:grpSpPr>
+        <a:xfrm>
+          <a:off x="0" y="0"/>
+          <a:ext cx="0" cy="0"/>
+          <a:chOff x="0" y="0"/>
+          <a:chExt cx="0" cy="0"/>
+        </a:xfrm>
+      </p:grpSpPr>
+      <p:sp>
+        <p:nvSpPr>
+          <p:cNvPr id="2" name="Titel 1">
+            <a:extLst>
+              <a:ext uri="{FF2B5EF4-FFF2-40B4-BE49-F238E27FC236}">
+                <a16:creationId xmlns:a16="http://schemas.microsoft.com/office/drawing/2014/main" id="{4BB9902E-BFF1-A648-B471-AF9F77F0B931}"/>
+              </a:ext>
+            </a:extLst>
+          </p:cNvPr>
+          <p:cNvSpPr>
+            <a:spLocks noGrp="1"/>
+          </p:cNvSpPr>
+          <p:nvPr>
+            <p:ph type="title"/>
+          </p:nvPr>
+        </p:nvSpPr>
+        <p:spPr/>
+        <p:txBody>
+          <a:bodyPr>
+            <a:normAutofit fontScale="90000"/>
+          </a:bodyPr>
+          <a:lstStyle/>
+          <a:p>
+            <a:r>
+              <a:rPr lang="de-DE" dirty="0"/>
+              <a:t>Was macht eine funktionale Datenstruktur aus?</a:t>
+            </a:r>
+          </a:p>
+        </p:txBody>
+      </p:sp>
       <p:sp>
         <p:nvSpPr>
           <p:cNvPr id="3" name="Textplatzhalter 2">
@@ -10085,7 +10719,7 @@
     </p:spTree>
     <p:extLst>
       <p:ext uri="{BB962C8B-B14F-4D97-AF65-F5344CB8AC3E}">
-        <p14:creationId xmlns:p14="http://schemas.microsoft.com/office/powerpoint/2010/main" val="2634318318"/>
+        <p14:creationId xmlns:p14="http://schemas.microsoft.com/office/powerpoint/2010/main" val="3033193860"/>
       </p:ext>
     </p:extLst>
   </p:cSld>
@@ -10095,7 +10729,7 @@
 </p:sld>
 </file>
 
-<file path=ppt/slides/slide3.xml><?xml version="1.0" encoding="utf-8"?>
+<file path=ppt/slides/slide4.xml><?xml version="1.0" encoding="utf-8"?>
 <p:sld xmlns:a="http://schemas.openxmlformats.org/drawingml/2006/main" xmlns:r="http://schemas.openxmlformats.org/officeDocument/2006/relationships" xmlns:p="http://schemas.openxmlformats.org/presentationml/2006/main">
   <p:cSld>
     <p:spTree>
@@ -10271,7 +10905,7 @@
 </p:sld>
 </file>
 
-<file path=ppt/slides/slide4.xml><?xml version="1.0" encoding="utf-8"?>
+<file path=ppt/slides/slide5.xml><?xml version="1.0" encoding="utf-8"?>
 <p:sld xmlns:a="http://schemas.openxmlformats.org/drawingml/2006/main" xmlns:r="http://schemas.openxmlformats.org/officeDocument/2006/relationships" xmlns:p="http://schemas.openxmlformats.org/presentationml/2006/main">
   <p:cSld>
     <p:spTree>
@@ -10364,7 +10998,7 @@
 </p:sld>
 </file>
 
-<file path=ppt/slides/slide5.xml><?xml version="1.0" encoding="utf-8"?>
+<file path=ppt/slides/slide6.xml><?xml version="1.0" encoding="utf-8"?>
 <p:sld xmlns:a="http://schemas.openxmlformats.org/drawingml/2006/main" xmlns:r="http://schemas.openxmlformats.org/officeDocument/2006/relationships" xmlns:p="http://schemas.openxmlformats.org/presentationml/2006/main">
   <p:cSld>
     <p:spTree>
@@ -10540,7 +11174,7 @@
 </p:sld>
 </file>
 
-<file path=ppt/slides/slide6.xml><?xml version="1.0" encoding="utf-8"?>
+<file path=ppt/slides/slide7.xml><?xml version="1.0" encoding="utf-8"?>
 <p:sld xmlns:a="http://schemas.openxmlformats.org/drawingml/2006/main" xmlns:r="http://schemas.openxmlformats.org/officeDocument/2006/relationships" xmlns:p="http://schemas.openxmlformats.org/presentationml/2006/main">
   <p:cSld>
     <p:spTree>
@@ -10729,7 +11363,7 @@
 </p:sld>
 </file>
 
-<file path=ppt/slides/slide7.xml><?xml version="1.0" encoding="utf-8"?>
+<file path=ppt/slides/slide8.xml><?xml version="1.0" encoding="utf-8"?>
 <p:sld xmlns:a="http://schemas.openxmlformats.org/drawingml/2006/main" xmlns:r="http://schemas.openxmlformats.org/officeDocument/2006/relationships" xmlns:p="http://schemas.openxmlformats.org/presentationml/2006/main">
   <p:cSld>
     <p:spTree>
@@ -11518,7 +12152,7 @@
 </p:sld>
 </file>
 
-<file path=ppt/slides/slide8.xml><?xml version="1.0" encoding="utf-8"?>
+<file path=ppt/slides/slide9.xml><?xml version="1.0" encoding="utf-8"?>
 <p:sld xmlns:a="http://schemas.openxmlformats.org/drawingml/2006/main" xmlns:r="http://schemas.openxmlformats.org/officeDocument/2006/relationships" xmlns:p="http://schemas.openxmlformats.org/presentationml/2006/main">
   <p:cSld>
     <p:spTree>
@@ -11905,124 +12539,6 @@
       </p:par>
     </p:tnLst>
   </p:timing>
-</p:sld>
-</file>
-
-<file path=ppt/slides/slide9.xml><?xml version="1.0" encoding="utf-8"?>
-<p:sld xmlns:a="http://schemas.openxmlformats.org/drawingml/2006/main" xmlns:r="http://schemas.openxmlformats.org/officeDocument/2006/relationships" xmlns:p="http://schemas.openxmlformats.org/presentationml/2006/main">
-  <p:cSld>
-    <p:spTree>
-      <p:nvGrpSpPr>
-        <p:cNvPr id="1" name=""/>
-        <p:cNvGrpSpPr/>
-        <p:nvPr/>
-      </p:nvGrpSpPr>
-      <p:grpSpPr>
-        <a:xfrm>
-          <a:off x="0" y="0"/>
-          <a:ext cx="0" cy="0"/>
-          <a:chOff x="0" y="0"/>
-          <a:chExt cx="0" cy="0"/>
-        </a:xfrm>
-      </p:grpSpPr>
-      <p:sp>
-        <p:nvSpPr>
-          <p:cNvPr id="2" name="Titel 1">
-            <a:extLst>
-              <a:ext uri="{FF2B5EF4-FFF2-40B4-BE49-F238E27FC236}">
-                <a16:creationId xmlns:a16="http://schemas.microsoft.com/office/drawing/2014/main" id="{40E93307-ADEC-6AD3-C7E4-E50DBB3DA0D7}"/>
-              </a:ext>
-            </a:extLst>
-          </p:cNvPr>
-          <p:cNvSpPr>
-            <a:spLocks noGrp="1"/>
-          </p:cNvSpPr>
-          <p:nvPr>
-            <p:ph type="title"/>
-          </p:nvPr>
-        </p:nvSpPr>
-        <p:spPr/>
-        <p:txBody>
-          <a:bodyPr/>
-          <a:lstStyle/>
-          <a:p>
-            <a:r>
-              <a:rPr lang="de-DE" dirty="0"/>
-              <a:t>Empty</a:t>
-            </a:r>
-          </a:p>
-        </p:txBody>
-      </p:sp>
-      <p:sp>
-        <p:nvSpPr>
-          <p:cNvPr id="3" name="Textplatzhalter 2">
-            <a:extLst>
-              <a:ext uri="{FF2B5EF4-FFF2-40B4-BE49-F238E27FC236}">
-                <a16:creationId xmlns:a16="http://schemas.microsoft.com/office/drawing/2014/main" id="{5541A7D5-0B38-AC56-1229-B74A4E5844FA}"/>
-              </a:ext>
-            </a:extLst>
-          </p:cNvPr>
-          <p:cNvSpPr>
-            <a:spLocks noGrp="1"/>
-          </p:cNvSpPr>
-          <p:nvPr>
-            <p:ph type="body" idx="1"/>
-          </p:nvPr>
-        </p:nvSpPr>
-        <p:spPr>
-          <a:xfrm>
-            <a:off x="5454650" y="1431835"/>
-            <a:ext cx="3301450" cy="3473628"/>
-          </a:xfrm>
-        </p:spPr>
-        <p:txBody>
-          <a:bodyPr/>
-          <a:lstStyle/>
-          <a:p>
-            <a:endParaRPr lang="de-DE" dirty="0"/>
-          </a:p>
-        </p:txBody>
-      </p:sp>
-      <p:pic>
-        <p:nvPicPr>
-          <p:cNvPr id="5" name="Grafik 4">
-            <a:extLst>
-              <a:ext uri="{FF2B5EF4-FFF2-40B4-BE49-F238E27FC236}">
-                <a16:creationId xmlns:a16="http://schemas.microsoft.com/office/drawing/2014/main" id="{160FA39F-AEEE-EA6A-C545-99704F54203C}"/>
-              </a:ext>
-            </a:extLst>
-          </p:cNvPr>
-          <p:cNvPicPr>
-            <a:picLocks noChangeAspect="1"/>
-          </p:cNvPicPr>
-          <p:nvPr/>
-        </p:nvPicPr>
-        <p:blipFill>
-          <a:blip r:embed="rId3"/>
-          <a:stretch>
-            <a:fillRect/>
-          </a:stretch>
-        </p:blipFill>
-        <p:spPr>
-          <a:xfrm>
-            <a:off x="495850" y="1431835"/>
-            <a:ext cx="4654789" cy="3473629"/>
-          </a:xfrm>
-          <a:prstGeom prst="rect">
-            <a:avLst/>
-          </a:prstGeom>
-        </p:spPr>
-      </p:pic>
-    </p:spTree>
-    <p:extLst>
-      <p:ext uri="{BB962C8B-B14F-4D97-AF65-F5344CB8AC3E}">
-        <p14:creationId xmlns:p14="http://schemas.microsoft.com/office/powerpoint/2010/main" val="18063416"/>
-      </p:ext>
-    </p:extLst>
-  </p:cSld>
-  <p:clrMapOvr>
-    <a:masterClrMapping/>
-  </p:clrMapOvr>
 </p:sld>
 </file>
 

--- a/documents/FingerTrees.pptx
+++ b/documents/FingerTrees.pptx
@@ -5,7 +5,7 @@
     <p:sldMasterId id="2147483659" r:id="rId1"/>
   </p:sldMasterIdLst>
   <p:notesMasterIdLst>
-    <p:notesMasterId r:id="rId20"/>
+    <p:notesMasterId r:id="rId19"/>
   </p:notesMasterIdLst>
   <p:sldIdLst>
     <p:sldId id="256" r:id="rId2"/>
@@ -25,22 +25,21 @@
     <p:sldId id="273" r:id="rId16"/>
     <p:sldId id="285" r:id="rId17"/>
     <p:sldId id="265" r:id="rId18"/>
-    <p:sldId id="277" r:id="rId19"/>
   </p:sldIdLst>
   <p:sldSz cx="9144000" cy="5143500" type="screen16x9"/>
   <p:notesSz cx="6858000" cy="9144000"/>
   <p:embeddedFontLst>
     <p:embeddedFont>
       <p:font typeface="Roboto" panose="02000000000000000000" pitchFamily="2" charset="0"/>
-      <p:regular r:id="rId21"/>
-      <p:bold r:id="rId22"/>
-      <p:italic r:id="rId23"/>
-      <p:boldItalic r:id="rId24"/>
+      <p:regular r:id="rId20"/>
+      <p:bold r:id="rId21"/>
+      <p:italic r:id="rId22"/>
+      <p:boldItalic r:id="rId23"/>
     </p:embeddedFont>
     <p:embeddedFont>
       <p:font typeface="Roboto Slab" pitchFamily="2" charset="0"/>
-      <p:regular r:id="rId25"/>
-      <p:bold r:id="rId26"/>
+      <p:regular r:id="rId24"/>
+      <p:bold r:id="rId25"/>
     </p:embeddedFont>
   </p:embeddedFontLst>
   <p:defaultTextStyle>
@@ -2340,92 +2339,6 @@
         </p:txBody>
       </p:sp>
     </p:spTree>
-  </p:cSld>
-  <p:clrMapOvr>
-    <a:masterClrMapping/>
-  </p:clrMapOvr>
-</p:notes>
-</file>
-
-<file path=ppt/notesSlides/notesSlide18.xml><?xml version="1.0" encoding="utf-8"?>
-<p:notes xmlns:a="http://schemas.openxmlformats.org/drawingml/2006/main" xmlns:r="http://schemas.openxmlformats.org/officeDocument/2006/relationships" xmlns:p="http://schemas.openxmlformats.org/presentationml/2006/main">
-  <p:cSld>
-    <p:spTree>
-      <p:nvGrpSpPr>
-        <p:cNvPr id="1" name=""/>
-        <p:cNvGrpSpPr/>
-        <p:nvPr/>
-      </p:nvGrpSpPr>
-      <p:grpSpPr>
-        <a:xfrm>
-          <a:off x="0" y="0"/>
-          <a:ext cx="0" cy="0"/>
-          <a:chOff x="0" y="0"/>
-          <a:chExt cx="0" cy="0"/>
-        </a:xfrm>
-      </p:grpSpPr>
-      <p:sp>
-        <p:nvSpPr>
-          <p:cNvPr id="2" name="Folienbildplatzhalter 1"/>
-          <p:cNvSpPr>
-            <a:spLocks noGrp="1" noRot="1" noChangeAspect="1"/>
-          </p:cNvSpPr>
-          <p:nvPr>
-            <p:ph type="sldImg"/>
-          </p:nvPr>
-        </p:nvSpPr>
-        <p:spPr>
-          <a:xfrm>
-            <a:off x="381000" y="685800"/>
-            <a:ext cx="6096000" cy="3429000"/>
-          </a:xfrm>
-        </p:spPr>
-      </p:sp>
-      <p:sp>
-        <p:nvSpPr>
-          <p:cNvPr id="3" name="Notizenplatzhalter 2"/>
-          <p:cNvSpPr>
-            <a:spLocks noGrp="1"/>
-          </p:cNvSpPr>
-          <p:nvPr>
-            <p:ph type="body" idx="1"/>
-          </p:nvPr>
-        </p:nvSpPr>
-        <p:spPr/>
-        <p:txBody>
-          <a:bodyPr/>
-          <a:lstStyle/>
-          <a:p>
-            <a:r>
-              <a:rPr lang="de-DE" dirty="0"/>
-              <a:t>@unchecked = Compiler ignoriert den check </a:t>
-            </a:r>
-          </a:p>
-          <a:p>
-            <a:r>
-              <a:rPr lang="de-DE" dirty="0"/>
-              <a:t>Nil = Ende / Leere Liste</a:t>
-            </a:r>
-          </a:p>
-          <a:p>
-            <a:r>
-              <a:rPr lang="de-DE" dirty="0"/>
-              <a:t>:: </a:t>
-            </a:r>
-            <a:r>
-              <a:rPr lang="de-DE" dirty="0" err="1"/>
-              <a:t>prepend</a:t>
-            </a:r>
-            <a:endParaRPr lang="de-DE" dirty="0"/>
-          </a:p>
-        </p:txBody>
-      </p:sp>
-    </p:spTree>
-    <p:extLst>
-      <p:ext uri="{BB962C8B-B14F-4D97-AF65-F5344CB8AC3E}">
-        <p14:creationId xmlns:p14="http://schemas.microsoft.com/office/powerpoint/2010/main" val="1191258858"/>
-      </p:ext>
-    </p:extLst>
   </p:cSld>
   <p:clrMapOvr>
     <a:masterClrMapping/>
@@ -10403,94 +10316,6 @@
 </p:sld>
 </file>
 
-<file path=ppt/slides/slide18.xml><?xml version="1.0" encoding="utf-8"?>
-<p:sld xmlns:a="http://schemas.openxmlformats.org/drawingml/2006/main" xmlns:r="http://schemas.openxmlformats.org/officeDocument/2006/relationships" xmlns:p="http://schemas.openxmlformats.org/presentationml/2006/main">
-  <p:cSld>
-    <p:spTree>
-      <p:nvGrpSpPr>
-        <p:cNvPr id="1" name=""/>
-        <p:cNvGrpSpPr/>
-        <p:nvPr/>
-      </p:nvGrpSpPr>
-      <p:grpSpPr>
-        <a:xfrm>
-          <a:off x="0" y="0"/>
-          <a:ext cx="0" cy="0"/>
-          <a:chOff x="0" y="0"/>
-          <a:chExt cx="0" cy="0"/>
-        </a:xfrm>
-      </p:grpSpPr>
-      <p:sp>
-        <p:nvSpPr>
-          <p:cNvPr id="2" name="Titel 1">
-            <a:extLst>
-              <a:ext uri="{FF2B5EF4-FFF2-40B4-BE49-F238E27FC236}">
-                <a16:creationId xmlns:a16="http://schemas.microsoft.com/office/drawing/2014/main" id="{0933B6F0-73A2-A1CD-EB4D-0DACCE2C467C}"/>
-              </a:ext>
-            </a:extLst>
-          </p:cNvPr>
-          <p:cNvSpPr>
-            <a:spLocks noGrp="1"/>
-          </p:cNvSpPr>
-          <p:nvPr>
-            <p:ph type="title"/>
-          </p:nvPr>
-        </p:nvSpPr>
-        <p:spPr/>
-        <p:txBody>
-          <a:bodyPr/>
-          <a:lstStyle/>
-          <a:p>
-            <a:r>
-              <a:rPr lang="de-DE" dirty="0"/>
-              <a:t>Das Arbeiten mit Listen</a:t>
-            </a:r>
-          </a:p>
-        </p:txBody>
-      </p:sp>
-      <p:pic>
-        <p:nvPicPr>
-          <p:cNvPr id="4" name="Grafik 3">
-            <a:extLst>
-              <a:ext uri="{FF2B5EF4-FFF2-40B4-BE49-F238E27FC236}">
-                <a16:creationId xmlns:a16="http://schemas.microsoft.com/office/drawing/2014/main" id="{F6449214-A8FA-D082-E792-02F7B546B11D}"/>
-              </a:ext>
-            </a:extLst>
-          </p:cNvPr>
-          <p:cNvPicPr>
-            <a:picLocks noChangeAspect="1"/>
-          </p:cNvPicPr>
-          <p:nvPr/>
-        </p:nvPicPr>
-        <p:blipFill>
-          <a:blip r:embed="rId3"/>
-          <a:stretch>
-            <a:fillRect/>
-          </a:stretch>
-        </p:blipFill>
-        <p:spPr>
-          <a:xfrm>
-            <a:off x="0" y="1533600"/>
-            <a:ext cx="9144000" cy="3151875"/>
-          </a:xfrm>
-          <a:prstGeom prst="rect">
-            <a:avLst/>
-          </a:prstGeom>
-        </p:spPr>
-      </p:pic>
-    </p:spTree>
-    <p:extLst>
-      <p:ext uri="{BB962C8B-B14F-4D97-AF65-F5344CB8AC3E}">
-        <p14:creationId xmlns:p14="http://schemas.microsoft.com/office/powerpoint/2010/main" val="53727958"/>
-      </p:ext>
-    </p:extLst>
-  </p:cSld>
-  <p:clrMapOvr>
-    <a:masterClrMapping/>
-  </p:clrMapOvr>
-</p:sld>
-</file>
-
 <file path=ppt/slides/slide2.xml><?xml version="1.0" encoding="utf-8"?>
 <p:sld xmlns:a="http://schemas.openxmlformats.org/drawingml/2006/main" xmlns:r="http://schemas.openxmlformats.org/officeDocument/2006/relationships" xmlns:p="http://schemas.openxmlformats.org/presentationml/2006/main">
   <p:cSld>

--- a/documents/FingerTrees.pptx
+++ b/documents/FingerTrees.pptx
@@ -1325,6 +1325,18 @@
             </a:r>
           </a:p>
           <a:p>
+            <a:pPr lvl="1"/>
+            <a:r>
+              <a:rPr lang="de-DE" dirty="0"/>
+              <a:t>Ähnlich trivial wie </a:t>
+            </a:r>
+            <a:r>
+              <a:rPr lang="de-DE" dirty="0" err="1"/>
+              <a:t>single</a:t>
+            </a:r>
+            <a:endParaRPr lang="de-DE" dirty="0"/>
+          </a:p>
+          <a:p>
             <a:r>
               <a:rPr lang="de-DE" dirty="0"/>
               <a:t>Bei 4 Elementen -&gt; </a:t>
@@ -2395,6 +2407,7 @@
           <a:bodyPr/>
           <a:lstStyle/>
           <a:p>
+            <a:pPr lvl="0"/>
             <a:r>
               <a:rPr lang="de-DE" b="0" i="0" dirty="0">
                 <a:solidFill>
@@ -2403,11 +2416,11 @@
                 <a:effectLst/>
                 <a:latin typeface="+mj-lt"/>
               </a:rPr>
-              <a:t>Mit Funktionale Programmierparadigmen programmiert</a:t>
-            </a:r>
-          </a:p>
-          <a:p>
-            <a:pPr lvl="1"/>
+              <a:t>Imperativ: mit Anweisungen verändern -&gt; e an f</a:t>
+            </a:r>
+          </a:p>
+          <a:p>
+            <a:pPr lvl="0"/>
             <a:r>
               <a:rPr lang="de-DE" b="0" i="0" dirty="0">
                 <a:solidFill>
@@ -2416,124 +2429,7 @@
                 <a:effectLst/>
                 <a:latin typeface="+mj-lt"/>
               </a:rPr>
-              <a:t>Imperativ: mit Anweisungen verändern</a:t>
-            </a:r>
-          </a:p>
-          <a:p>
-            <a:pPr lvl="1"/>
-            <a:r>
-              <a:rPr lang="de-DE" b="0" i="0" dirty="0">
-                <a:solidFill>
-                  <a:srgbClr val="D1D5DB"/>
-                </a:solidFill>
-                <a:effectLst/>
-                <a:latin typeface="+mj-lt"/>
-              </a:rPr>
-              <a:t>Funktional: mit Rückgabe von Funktionen verändern</a:t>
-            </a:r>
-          </a:p>
-          <a:p>
-            <a:r>
-              <a:rPr lang="de-DE" b="0" i="0" dirty="0">
-                <a:solidFill>
-                  <a:srgbClr val="D1D5DB"/>
-                </a:solidFill>
-                <a:effectLst/>
-                <a:latin typeface="+mj-lt"/>
-              </a:rPr>
-              <a:t>Unveränderbar</a:t>
-            </a:r>
-          </a:p>
-          <a:p>
-            <a:pPr lvl="1"/>
-            <a:r>
-              <a:rPr lang="de-DE" b="0" i="0" dirty="0">
-                <a:solidFill>
-                  <a:srgbClr val="D1D5DB"/>
-                </a:solidFill>
-                <a:effectLst/>
-                <a:latin typeface="+mj-lt"/>
-              </a:rPr>
-              <a:t>Keine Veränderung nach Initialisierung </a:t>
-            </a:r>
-          </a:p>
-          <a:p>
-            <a:pPr lvl="2"/>
-            <a:r>
-              <a:rPr lang="de-DE" b="0" i="0" dirty="0">
-                <a:solidFill>
-                  <a:srgbClr val="D1D5DB"/>
-                </a:solidFill>
-                <a:effectLst/>
-                <a:latin typeface="+mj-lt"/>
-              </a:rPr>
-              <a:t>nicht </a:t>
-            </a:r>
-            <a:r>
-              <a:rPr lang="de-DE" b="0" i="0" dirty="0" err="1">
-                <a:solidFill>
-                  <a:srgbClr val="D1D5DB"/>
-                </a:solidFill>
-                <a:effectLst/>
-                <a:latin typeface="+mj-lt"/>
-              </a:rPr>
-              <a:t>mutierbar</a:t>
-            </a:r>
-            <a:r>
-              <a:rPr lang="de-DE" b="0" i="0" dirty="0">
-                <a:solidFill>
-                  <a:srgbClr val="D1D5DB"/>
-                </a:solidFill>
-                <a:effectLst/>
-                <a:latin typeface="+mj-lt"/>
-              </a:rPr>
-              <a:t>, keine Seiteneffekte</a:t>
-            </a:r>
-          </a:p>
-          <a:p>
-            <a:pPr lvl="2"/>
-            <a:r>
-              <a:rPr lang="de-DE" b="0" i="0" dirty="0">
-                <a:solidFill>
-                  <a:srgbClr val="D1D5DB"/>
-                </a:solidFill>
-                <a:effectLst/>
-                <a:latin typeface="+mj-lt"/>
-              </a:rPr>
-              <a:t>Keine </a:t>
-            </a:r>
-            <a:r>
-              <a:rPr lang="de-DE" b="0" i="0" dirty="0" err="1">
-                <a:solidFill>
-                  <a:srgbClr val="D1D5DB"/>
-                </a:solidFill>
-                <a:effectLst/>
-                <a:latin typeface="+mj-lt"/>
-              </a:rPr>
-              <a:t>Syhnchronisierung</a:t>
-            </a:r>
-            <a:r>
-              <a:rPr lang="de-DE" b="0" i="0" dirty="0">
-                <a:solidFill>
-                  <a:srgbClr val="D1D5DB"/>
-                </a:solidFill>
-                <a:effectLst/>
-                <a:latin typeface="+mj-lt"/>
-              </a:rPr>
-              <a:t> nötig</a:t>
-            </a:r>
-          </a:p>
-          <a:p>
-            <a:pPr lvl="1"/>
-            <a:r>
-              <a:rPr lang="de-DE" b="0" i="0" dirty="0">
-                <a:solidFill>
-                  <a:srgbClr val="D1D5DB"/>
-                </a:solidFill>
-                <a:effectLst/>
-                <a:latin typeface="+mj-lt"/>
-              </a:rPr>
-              <a:t>Neue Datenstruktur mit Referenzen (Bilder)</a:t>
+              <a:t>Funktional: mit Rückgabe von Funktionen verändern </a:t>
             </a:r>
           </a:p>
         </p:txBody>
@@ -2608,44 +2504,6 @@
                 <a:effectLst/>
                 <a:latin typeface="+mj-lt"/>
               </a:rPr>
-              <a:t>Mit Funktionale Programmierparadigmen programmiert</a:t>
-            </a:r>
-          </a:p>
-          <a:p>
-            <a:pPr lvl="1"/>
-            <a:r>
-              <a:rPr lang="de-DE" b="0" i="0" dirty="0">
-                <a:solidFill>
-                  <a:srgbClr val="D1D5DB"/>
-                </a:solidFill>
-                <a:effectLst/>
-                <a:latin typeface="+mj-lt"/>
-              </a:rPr>
-              <a:t>Imperativ: mit Anweisungen verändern</a:t>
-            </a:r>
-          </a:p>
-          <a:p>
-            <a:pPr lvl="1"/>
-            <a:r>
-              <a:rPr lang="de-DE" b="0" i="0" dirty="0">
-                <a:solidFill>
-                  <a:srgbClr val="D1D5DB"/>
-                </a:solidFill>
-                <a:effectLst/>
-                <a:latin typeface="+mj-lt"/>
-              </a:rPr>
-              <a:t>Funktional: mit Rückgabe von Funktionen verändern</a:t>
-            </a:r>
-          </a:p>
-          <a:p>
-            <a:r>
-              <a:rPr lang="de-DE" b="0" i="0" dirty="0">
-                <a:solidFill>
-                  <a:srgbClr val="D1D5DB"/>
-                </a:solidFill>
-                <a:effectLst/>
-                <a:latin typeface="+mj-lt"/>
-              </a:rPr>
               <a:t>Unveränderbar</a:t>
             </a:r>
           </a:p>
@@ -3020,7 +2878,7 @@
             <a:pPr marL="457200" indent="-298450"/>
             <a:r>
               <a:rPr lang="de-DE" dirty="0"/>
-              <a:t>Funktionale Repräsentation von persistenten Sequenzen -&gt; wie zuvor </a:t>
+              <a:t>Funktionale Repräsentation von persistenten Sequenzen</a:t>
             </a:r>
           </a:p>
           <a:p>
